--- a/DiplomKatya/KatyaDiplomPresent.pptx
+++ b/DiplomKatya/KatyaDiplomPresent.pptx
@@ -5,26 +5,27 @@
     <p:sldMasterId id="2147483696" r:id="rId4"/>
   </p:sldMasterIdLst>
   <p:notesMasterIdLst>
-    <p:notesMasterId r:id="rId19"/>
+    <p:notesMasterId r:id="rId20"/>
   </p:notesMasterIdLst>
   <p:handoutMasterIdLst>
-    <p:handoutMasterId r:id="rId20"/>
+    <p:handoutMasterId r:id="rId21"/>
   </p:handoutMasterIdLst>
   <p:sldIdLst>
     <p:sldId id="306" r:id="rId5"/>
     <p:sldId id="308" r:id="rId6"/>
-    <p:sldId id="309" r:id="rId7"/>
-    <p:sldId id="294" r:id="rId8"/>
-    <p:sldId id="295" r:id="rId9"/>
-    <p:sldId id="314" r:id="rId10"/>
-    <p:sldId id="315" r:id="rId11"/>
-    <p:sldId id="316" r:id="rId12"/>
-    <p:sldId id="303" r:id="rId13"/>
-    <p:sldId id="317" r:id="rId14"/>
-    <p:sldId id="318" r:id="rId15"/>
-    <p:sldId id="319" r:id="rId16"/>
-    <p:sldId id="304" r:id="rId17"/>
-    <p:sldId id="312" r:id="rId18"/>
+    <p:sldId id="327" r:id="rId7"/>
+    <p:sldId id="326" r:id="rId8"/>
+    <p:sldId id="328" r:id="rId9"/>
+    <p:sldId id="303" r:id="rId10"/>
+    <p:sldId id="317" r:id="rId11"/>
+    <p:sldId id="318" r:id="rId12"/>
+    <p:sldId id="319" r:id="rId13"/>
+    <p:sldId id="320" r:id="rId14"/>
+    <p:sldId id="323" r:id="rId15"/>
+    <p:sldId id="324" r:id="rId16"/>
+    <p:sldId id="325" r:id="rId17"/>
+    <p:sldId id="304" r:id="rId18"/>
+    <p:sldId id="312" r:id="rId19"/>
   </p:sldIdLst>
   <p:sldSz cx="12192000" cy="6858000"/>
   <p:notesSz cx="6858000" cy="9144000"/>
@@ -156,6 +157,480 @@
 </p188:authorLst>
 </file>
 
+<file path=ppt/changesInfos/changesInfo1.xml><?xml version="1.0" encoding="utf-8"?>
+<pc:chgInfo xmlns:a="http://schemas.openxmlformats.org/drawingml/2006/main" xmlns:r="http://schemas.openxmlformats.org/officeDocument/2006/relationships" xmlns:ac="http://schemas.microsoft.com/office/drawing/2013/main/command" xmlns:pc="http://schemas.microsoft.com/office/powerpoint/2013/main/command">
+  <pc:docChgLst>
+    <pc:chgData name="Никита Постнов" userId="ccaeb27e9297bece" providerId="LiveId" clId="{F9EB61B5-44FA-4900-B13F-CAA777326263}"/>
+    <pc:docChg chg="undo redo custSel addSld delSld modSld">
+      <pc:chgData name="Никита Постнов" userId="ccaeb27e9297bece" providerId="LiveId" clId="{F9EB61B5-44FA-4900-B13F-CAA777326263}" dt="2023-05-09T23:54:14.231" v="546" actId="47"/>
+      <pc:docMkLst>
+        <pc:docMk/>
+      </pc:docMkLst>
+      <pc:sldChg chg="del">
+        <pc:chgData name="Никита Постнов" userId="ccaeb27e9297bece" providerId="LiveId" clId="{F9EB61B5-44FA-4900-B13F-CAA777326263}" dt="2023-05-09T22:49:06.087" v="286" actId="47"/>
+        <pc:sldMkLst>
+          <pc:docMk/>
+          <pc:sldMk cId="783914445" sldId="294"/>
+        </pc:sldMkLst>
+      </pc:sldChg>
+      <pc:sldChg chg="del">
+        <pc:chgData name="Никита Постнов" userId="ccaeb27e9297bece" providerId="LiveId" clId="{F9EB61B5-44FA-4900-B13F-CAA777326263}" dt="2023-05-09T22:49:06.734" v="287" actId="47"/>
+        <pc:sldMkLst>
+          <pc:docMk/>
+          <pc:sldMk cId="277827655" sldId="295"/>
+        </pc:sldMkLst>
+      </pc:sldChg>
+      <pc:sldChg chg="modSp mod">
+        <pc:chgData name="Никита Постнов" userId="ccaeb27e9297bece" providerId="LiveId" clId="{F9EB61B5-44FA-4900-B13F-CAA777326263}" dt="2023-05-09T22:57:37.410" v="315" actId="120"/>
+        <pc:sldMkLst>
+          <pc:docMk/>
+          <pc:sldMk cId="114769864" sldId="306"/>
+        </pc:sldMkLst>
+        <pc:spChg chg="mod">
+          <ac:chgData name="Никита Постнов" userId="ccaeb27e9297bece" providerId="LiveId" clId="{F9EB61B5-44FA-4900-B13F-CAA777326263}" dt="2023-05-09T22:57:37.410" v="315" actId="120"/>
+          <ac:spMkLst>
+            <pc:docMk/>
+            <pc:sldMk cId="114769864" sldId="306"/>
+            <ac:spMk id="2" creationId="{C3A9968B-2619-4F71-AB00-4C493E120805}"/>
+          </ac:spMkLst>
+        </pc:spChg>
+        <pc:spChg chg="mod">
+          <ac:chgData name="Никита Постнов" userId="ccaeb27e9297bece" providerId="LiveId" clId="{F9EB61B5-44FA-4900-B13F-CAA777326263}" dt="2023-05-09T22:43:52.497" v="174" actId="20577"/>
+          <ac:spMkLst>
+            <pc:docMk/>
+            <pc:sldMk cId="114769864" sldId="306"/>
+            <ac:spMk id="3" creationId="{A5F14073-9F68-4B7E-A576-26899D58C7A9}"/>
+          </ac:spMkLst>
+        </pc:spChg>
+      </pc:sldChg>
+      <pc:sldChg chg="modSp mod">
+        <pc:chgData name="Никита Постнов" userId="ccaeb27e9297bece" providerId="LiveId" clId="{F9EB61B5-44FA-4900-B13F-CAA777326263}" dt="2023-05-09T22:48:42.825" v="283" actId="20577"/>
+        <pc:sldMkLst>
+          <pc:docMk/>
+          <pc:sldMk cId="365334912" sldId="308"/>
+        </pc:sldMkLst>
+        <pc:spChg chg="mod">
+          <ac:chgData name="Никита Постнов" userId="ccaeb27e9297bece" providerId="LiveId" clId="{F9EB61B5-44FA-4900-B13F-CAA777326263}" dt="2023-05-09T22:48:42.825" v="283" actId="20577"/>
+          <ac:spMkLst>
+            <pc:docMk/>
+            <pc:sldMk cId="365334912" sldId="308"/>
+            <ac:spMk id="4" creationId="{B0881FA9-F3B0-4912-B0E1-352094195C30}"/>
+          </ac:spMkLst>
+        </pc:spChg>
+      </pc:sldChg>
+      <pc:sldChg chg="del">
+        <pc:chgData name="Никита Постнов" userId="ccaeb27e9297bece" providerId="LiveId" clId="{F9EB61B5-44FA-4900-B13F-CAA777326263}" dt="2023-05-09T22:49:05.438" v="285" actId="47"/>
+        <pc:sldMkLst>
+          <pc:docMk/>
+          <pc:sldMk cId="2227882511" sldId="309"/>
+        </pc:sldMkLst>
+      </pc:sldChg>
+      <pc:sldChg chg="del">
+        <pc:chgData name="Никита Постнов" userId="ccaeb27e9297bece" providerId="LiveId" clId="{F9EB61B5-44FA-4900-B13F-CAA777326263}" dt="2023-05-09T22:49:07.287" v="288" actId="47"/>
+        <pc:sldMkLst>
+          <pc:docMk/>
+          <pc:sldMk cId="2655551764" sldId="314"/>
+        </pc:sldMkLst>
+      </pc:sldChg>
+      <pc:sldChg chg="del">
+        <pc:chgData name="Никита Постнов" userId="ccaeb27e9297bece" providerId="LiveId" clId="{F9EB61B5-44FA-4900-B13F-CAA777326263}" dt="2023-05-09T22:49:07.838" v="289" actId="47"/>
+        <pc:sldMkLst>
+          <pc:docMk/>
+          <pc:sldMk cId="157754656" sldId="315"/>
+        </pc:sldMkLst>
+      </pc:sldChg>
+      <pc:sldChg chg="del">
+        <pc:chgData name="Никита Постнов" userId="ccaeb27e9297bece" providerId="LiveId" clId="{F9EB61B5-44FA-4900-B13F-CAA777326263}" dt="2023-05-09T22:49:02.263" v="284" actId="47"/>
+        <pc:sldMkLst>
+          <pc:docMk/>
+          <pc:sldMk cId="865934586" sldId="316"/>
+        </pc:sldMkLst>
+      </pc:sldChg>
+      <pc:sldChg chg="addSp delSp modSp mod">
+        <pc:chgData name="Никита Постнов" userId="ccaeb27e9297bece" providerId="LiveId" clId="{F9EB61B5-44FA-4900-B13F-CAA777326263}" dt="2023-05-09T22:53:58.719" v="297" actId="1076"/>
+        <pc:sldMkLst>
+          <pc:docMk/>
+          <pc:sldMk cId="3645630648" sldId="317"/>
+        </pc:sldMkLst>
+        <pc:picChg chg="add mod">
+          <ac:chgData name="Никита Постнов" userId="ccaeb27e9297bece" providerId="LiveId" clId="{F9EB61B5-44FA-4900-B13F-CAA777326263}" dt="2023-05-09T22:53:58.719" v="297" actId="1076"/>
+          <ac:picMkLst>
+            <pc:docMk/>
+            <pc:sldMk cId="3645630648" sldId="317"/>
+            <ac:picMk id="4" creationId="{D5660189-5437-7B0A-C6AF-D84125B2D6B9}"/>
+          </ac:picMkLst>
+        </pc:picChg>
+        <pc:picChg chg="del">
+          <ac:chgData name="Никита Постнов" userId="ccaeb27e9297bece" providerId="LiveId" clId="{F9EB61B5-44FA-4900-B13F-CAA777326263}" dt="2023-05-09T22:53:43.458" v="291" actId="478"/>
+          <ac:picMkLst>
+            <pc:docMk/>
+            <pc:sldMk cId="3645630648" sldId="317"/>
+            <ac:picMk id="5" creationId="{F7E2EEC0-F07B-1661-D607-FE67B04ADA10}"/>
+          </ac:picMkLst>
+        </pc:picChg>
+        <pc:picChg chg="del">
+          <ac:chgData name="Никита Постнов" userId="ccaeb27e9297bece" providerId="LiveId" clId="{F9EB61B5-44FA-4900-B13F-CAA777326263}" dt="2023-05-09T22:53:43.937" v="292" actId="478"/>
+          <ac:picMkLst>
+            <pc:docMk/>
+            <pc:sldMk cId="3645630648" sldId="317"/>
+            <ac:picMk id="6" creationId="{E7018638-FEA5-EF55-E27F-47FD22B1856C}"/>
+          </ac:picMkLst>
+        </pc:picChg>
+        <pc:picChg chg="del">
+          <ac:chgData name="Никита Постнов" userId="ccaeb27e9297bece" providerId="LiveId" clId="{F9EB61B5-44FA-4900-B13F-CAA777326263}" dt="2023-05-09T22:53:42.692" v="290" actId="478"/>
+          <ac:picMkLst>
+            <pc:docMk/>
+            <pc:sldMk cId="3645630648" sldId="317"/>
+            <ac:picMk id="9" creationId="{E81B5ED8-AD69-644B-1C35-C8C8780E6B12}"/>
+          </ac:picMkLst>
+        </pc:picChg>
+      </pc:sldChg>
+      <pc:sldChg chg="addSp delSp modSp mod">
+        <pc:chgData name="Никита Постнов" userId="ccaeb27e9297bece" providerId="LiveId" clId="{F9EB61B5-44FA-4900-B13F-CAA777326263}" dt="2023-05-09T22:54:59.737" v="304" actId="1076"/>
+        <pc:sldMkLst>
+          <pc:docMk/>
+          <pc:sldMk cId="690710266" sldId="318"/>
+        </pc:sldMkLst>
+        <pc:picChg chg="add mod">
+          <ac:chgData name="Никита Постнов" userId="ccaeb27e9297bece" providerId="LiveId" clId="{F9EB61B5-44FA-4900-B13F-CAA777326263}" dt="2023-05-09T22:54:59.737" v="304" actId="1076"/>
+          <ac:picMkLst>
+            <pc:docMk/>
+            <pc:sldMk cId="690710266" sldId="318"/>
+            <ac:picMk id="4" creationId="{70835CF2-5311-E3D6-7BEE-C059DA75528B}"/>
+          </ac:picMkLst>
+        </pc:picChg>
+        <pc:picChg chg="del">
+          <ac:chgData name="Никита Постнов" userId="ccaeb27e9297bece" providerId="LiveId" clId="{F9EB61B5-44FA-4900-B13F-CAA777326263}" dt="2023-05-09T22:54:48.225" v="298" actId="478"/>
+          <ac:picMkLst>
+            <pc:docMk/>
+            <pc:sldMk cId="690710266" sldId="318"/>
+            <ac:picMk id="7" creationId="{A7F4B8CD-90C4-B54C-30C9-6D3991DD2EF1}"/>
+          </ac:picMkLst>
+        </pc:picChg>
+        <pc:picChg chg="del">
+          <ac:chgData name="Никита Постнов" userId="ccaeb27e9297bece" providerId="LiveId" clId="{F9EB61B5-44FA-4900-B13F-CAA777326263}" dt="2023-05-09T22:54:50.528" v="299" actId="478"/>
+          <ac:picMkLst>
+            <pc:docMk/>
+            <pc:sldMk cId="690710266" sldId="318"/>
+            <ac:picMk id="8" creationId="{1D34BDF8-8A16-213C-72E4-8DC3C22B6635}"/>
+          </ac:picMkLst>
+        </pc:picChg>
+        <pc:picChg chg="del">
+          <ac:chgData name="Никита Постнов" userId="ccaeb27e9297bece" providerId="LiveId" clId="{F9EB61B5-44FA-4900-B13F-CAA777326263}" dt="2023-05-09T22:54:51.240" v="300" actId="478"/>
+          <ac:picMkLst>
+            <pc:docMk/>
+            <pc:sldMk cId="690710266" sldId="318"/>
+            <ac:picMk id="10" creationId="{79E73705-A198-3A07-4773-EBAE1179DDE1}"/>
+          </ac:picMkLst>
+        </pc:picChg>
+      </pc:sldChg>
+      <pc:sldChg chg="addSp delSp modSp mod">
+        <pc:chgData name="Никита Постнов" userId="ccaeb27e9297bece" providerId="LiveId" clId="{F9EB61B5-44FA-4900-B13F-CAA777326263}" dt="2023-05-09T22:56:01.681" v="311" actId="14100"/>
+        <pc:sldMkLst>
+          <pc:docMk/>
+          <pc:sldMk cId="3974250883" sldId="319"/>
+        </pc:sldMkLst>
+        <pc:picChg chg="add mod">
+          <ac:chgData name="Никита Постнов" userId="ccaeb27e9297bece" providerId="LiveId" clId="{F9EB61B5-44FA-4900-B13F-CAA777326263}" dt="2023-05-09T22:56:01.681" v="311" actId="14100"/>
+          <ac:picMkLst>
+            <pc:docMk/>
+            <pc:sldMk cId="3974250883" sldId="319"/>
+            <ac:picMk id="4" creationId="{B4F6B24F-9B53-32D7-85B7-7EAEFF49591C}"/>
+          </ac:picMkLst>
+        </pc:picChg>
+        <pc:picChg chg="del">
+          <ac:chgData name="Никита Постнов" userId="ccaeb27e9297bece" providerId="LiveId" clId="{F9EB61B5-44FA-4900-B13F-CAA777326263}" dt="2023-05-09T22:55:54.936" v="306" actId="478"/>
+          <ac:picMkLst>
+            <pc:docMk/>
+            <pc:sldMk cId="3974250883" sldId="319"/>
+            <ac:picMk id="6" creationId="{72986472-53B3-939E-1071-B76A733D73EB}"/>
+          </ac:picMkLst>
+        </pc:picChg>
+        <pc:picChg chg="del">
+          <ac:chgData name="Никита Постнов" userId="ccaeb27e9297bece" providerId="LiveId" clId="{F9EB61B5-44FA-4900-B13F-CAA777326263}" dt="2023-05-09T22:55:51.849" v="305" actId="478"/>
+          <ac:picMkLst>
+            <pc:docMk/>
+            <pc:sldMk cId="3974250883" sldId="319"/>
+            <ac:picMk id="9" creationId="{E8994279-C663-C3FA-F789-9AB5BA4FEC3B}"/>
+          </ac:picMkLst>
+        </pc:picChg>
+      </pc:sldChg>
+      <pc:sldChg chg="addSp delSp modSp add mod">
+        <pc:chgData name="Никита Постнов" userId="ccaeb27e9297bece" providerId="LiveId" clId="{F9EB61B5-44FA-4900-B13F-CAA777326263}" dt="2023-05-09T23:16:59.312" v="332" actId="478"/>
+        <pc:sldMkLst>
+          <pc:docMk/>
+          <pc:sldMk cId="2293643087" sldId="320"/>
+        </pc:sldMkLst>
+        <pc:picChg chg="add del mod">
+          <ac:chgData name="Никита Постнов" userId="ccaeb27e9297bece" providerId="LiveId" clId="{F9EB61B5-44FA-4900-B13F-CAA777326263}" dt="2023-05-09T23:16:25.334" v="321" actId="478"/>
+          <ac:picMkLst>
+            <pc:docMk/>
+            <pc:sldMk cId="2293643087" sldId="320"/>
+            <ac:picMk id="4" creationId="{F180B9D6-7416-6814-7DA0-29D2923AFC3E}"/>
+          </ac:picMkLst>
+        </pc:picChg>
+        <pc:picChg chg="add mod">
+          <ac:chgData name="Никита Постнов" userId="ccaeb27e9297bece" providerId="LiveId" clId="{F9EB61B5-44FA-4900-B13F-CAA777326263}" dt="2023-05-09T23:16:35.230" v="324" actId="1076"/>
+          <ac:picMkLst>
+            <pc:docMk/>
+            <pc:sldMk cId="2293643087" sldId="320"/>
+            <ac:picMk id="6" creationId="{8A514309-F353-510A-3BE9-0CC0AC9C860C}"/>
+          </ac:picMkLst>
+        </pc:picChg>
+        <pc:picChg chg="del">
+          <ac:chgData name="Никита Постнов" userId="ccaeb27e9297bece" providerId="LiveId" clId="{F9EB61B5-44FA-4900-B13F-CAA777326263}" dt="2023-05-09T22:56:44.642" v="313" actId="478"/>
+          <ac:picMkLst>
+            <pc:docMk/>
+            <pc:sldMk cId="2293643087" sldId="320"/>
+            <ac:picMk id="7" creationId="{9DFF4B36-E3CB-75AF-3678-8223D1627605}"/>
+          </ac:picMkLst>
+        </pc:picChg>
+        <pc:picChg chg="add del mod">
+          <ac:chgData name="Никита Постнов" userId="ccaeb27e9297bece" providerId="LiveId" clId="{F9EB61B5-44FA-4900-B13F-CAA777326263}" dt="2023-05-09T23:16:59.312" v="332" actId="478"/>
+          <ac:picMkLst>
+            <pc:docMk/>
+            <pc:sldMk cId="2293643087" sldId="320"/>
+            <ac:picMk id="8" creationId="{87F2BC77-BB57-F64B-1FE2-E162537E17F2}"/>
+          </ac:picMkLst>
+        </pc:picChg>
+        <pc:picChg chg="del">
+          <ac:chgData name="Никита Постнов" userId="ccaeb27e9297bece" providerId="LiveId" clId="{F9EB61B5-44FA-4900-B13F-CAA777326263}" dt="2023-05-09T22:56:46.752" v="314" actId="478"/>
+          <ac:picMkLst>
+            <pc:docMk/>
+            <pc:sldMk cId="2293643087" sldId="320"/>
+            <ac:picMk id="8" creationId="{8EFA34DF-AAD9-1E52-783C-FDA83F9647EA}"/>
+          </ac:picMkLst>
+        </pc:picChg>
+      </pc:sldChg>
+      <pc:sldChg chg="new del">
+        <pc:chgData name="Никита Постнов" userId="ccaeb27e9297bece" providerId="LiveId" clId="{F9EB61B5-44FA-4900-B13F-CAA777326263}" dt="2023-05-09T23:17:27.169" v="335" actId="47"/>
+        <pc:sldMkLst>
+          <pc:docMk/>
+          <pc:sldMk cId="2183960804" sldId="321"/>
+        </pc:sldMkLst>
+      </pc:sldChg>
+      <pc:sldChg chg="add del">
+        <pc:chgData name="Никита Постнов" userId="ccaeb27e9297bece" providerId="LiveId" clId="{F9EB61B5-44FA-4900-B13F-CAA777326263}" dt="2023-05-09T23:54:14.231" v="546" actId="47"/>
+        <pc:sldMkLst>
+          <pc:docMk/>
+          <pc:sldMk cId="3515126424" sldId="322"/>
+        </pc:sldMkLst>
+      </pc:sldChg>
+      <pc:sldChg chg="addSp delSp modSp add mod">
+        <pc:chgData name="Никита Постнов" userId="ccaeb27e9297bece" providerId="LiveId" clId="{F9EB61B5-44FA-4900-B13F-CAA777326263}" dt="2023-05-09T23:17:50.206" v="341" actId="1076"/>
+        <pc:sldMkLst>
+          <pc:docMk/>
+          <pc:sldMk cId="2802529549" sldId="323"/>
+        </pc:sldMkLst>
+        <pc:picChg chg="add mod">
+          <ac:chgData name="Никита Постнов" userId="ccaeb27e9297bece" providerId="LiveId" clId="{F9EB61B5-44FA-4900-B13F-CAA777326263}" dt="2023-05-09T23:17:50.206" v="341" actId="1076"/>
+          <ac:picMkLst>
+            <pc:docMk/>
+            <pc:sldMk cId="2802529549" sldId="323"/>
+            <ac:picMk id="4" creationId="{4E8D0634-E966-1A2F-67D3-85656055DE25}"/>
+          </ac:picMkLst>
+        </pc:picChg>
+        <pc:picChg chg="del">
+          <ac:chgData name="Никита Постнов" userId="ccaeb27e9297bece" providerId="LiveId" clId="{F9EB61B5-44FA-4900-B13F-CAA777326263}" dt="2023-05-09T23:17:43.088" v="337" actId="478"/>
+          <ac:picMkLst>
+            <pc:docMk/>
+            <pc:sldMk cId="2802529549" sldId="323"/>
+            <ac:picMk id="6" creationId="{8A514309-F353-510A-3BE9-0CC0AC9C860C}"/>
+          </ac:picMkLst>
+        </pc:picChg>
+      </pc:sldChg>
+      <pc:sldChg chg="addSp delSp modSp add mod">
+        <pc:chgData name="Никита Постнов" userId="ccaeb27e9297bece" providerId="LiveId" clId="{F9EB61B5-44FA-4900-B13F-CAA777326263}" dt="2023-05-09T23:19:19.445" v="354" actId="1076"/>
+        <pc:sldMkLst>
+          <pc:docMk/>
+          <pc:sldMk cId="92328225" sldId="324"/>
+        </pc:sldMkLst>
+        <pc:picChg chg="del">
+          <ac:chgData name="Никита Постнов" userId="ccaeb27e9297bece" providerId="LiveId" clId="{F9EB61B5-44FA-4900-B13F-CAA777326263}" dt="2023-05-09T23:18:37.720" v="343" actId="478"/>
+          <ac:picMkLst>
+            <pc:docMk/>
+            <pc:sldMk cId="92328225" sldId="324"/>
+            <ac:picMk id="4" creationId="{4E8D0634-E966-1A2F-67D3-85656055DE25}"/>
+          </ac:picMkLst>
+        </pc:picChg>
+        <pc:picChg chg="add del mod">
+          <ac:chgData name="Никита Постнов" userId="ccaeb27e9297bece" providerId="LiveId" clId="{F9EB61B5-44FA-4900-B13F-CAA777326263}" dt="2023-05-09T23:19:15.113" v="351" actId="478"/>
+          <ac:picMkLst>
+            <pc:docMk/>
+            <pc:sldMk cId="92328225" sldId="324"/>
+            <ac:picMk id="5" creationId="{B5B9FFB4-BE77-40F0-B360-52E5F31C9676}"/>
+          </ac:picMkLst>
+        </pc:picChg>
+        <pc:picChg chg="add mod">
+          <ac:chgData name="Никита Постнов" userId="ccaeb27e9297bece" providerId="LiveId" clId="{F9EB61B5-44FA-4900-B13F-CAA777326263}" dt="2023-05-09T23:19:19.445" v="354" actId="1076"/>
+          <ac:picMkLst>
+            <pc:docMk/>
+            <pc:sldMk cId="92328225" sldId="324"/>
+            <ac:picMk id="7" creationId="{6AB1233A-07E6-5F0B-CB16-A5570B1D442D}"/>
+          </ac:picMkLst>
+        </pc:picChg>
+      </pc:sldChg>
+      <pc:sldChg chg="addSp delSp modSp add mod">
+        <pc:chgData name="Никита Постнов" userId="ccaeb27e9297bece" providerId="LiveId" clId="{F9EB61B5-44FA-4900-B13F-CAA777326263}" dt="2023-05-09T23:19:47.931" v="358" actId="1076"/>
+        <pc:sldMkLst>
+          <pc:docMk/>
+          <pc:sldMk cId="2142486076" sldId="325"/>
+        </pc:sldMkLst>
+        <pc:picChg chg="add mod">
+          <ac:chgData name="Никита Постнов" userId="ccaeb27e9297bece" providerId="LiveId" clId="{F9EB61B5-44FA-4900-B13F-CAA777326263}" dt="2023-05-09T23:19:47.931" v="358" actId="1076"/>
+          <ac:picMkLst>
+            <pc:docMk/>
+            <pc:sldMk cId="2142486076" sldId="325"/>
+            <ac:picMk id="4" creationId="{525FDFFF-D5E1-1502-3F5F-DD17BDA8FC36}"/>
+          </ac:picMkLst>
+        </pc:picChg>
+        <pc:picChg chg="del">
+          <ac:chgData name="Никита Постнов" userId="ccaeb27e9297bece" providerId="LiveId" clId="{F9EB61B5-44FA-4900-B13F-CAA777326263}" dt="2023-05-09T23:19:44.632" v="356" actId="478"/>
+          <ac:picMkLst>
+            <pc:docMk/>
+            <pc:sldMk cId="2142486076" sldId="325"/>
+            <ac:picMk id="7" creationId="{6AB1233A-07E6-5F0B-CB16-A5570B1D442D}"/>
+          </ac:picMkLst>
+        </pc:picChg>
+      </pc:sldChg>
+      <pc:sldChg chg="addSp delSp modSp add mod">
+        <pc:chgData name="Никита Постнов" userId="ccaeb27e9297bece" providerId="LiveId" clId="{F9EB61B5-44FA-4900-B13F-CAA777326263}" dt="2023-05-09T23:35:39.105" v="503" actId="1037"/>
+        <pc:sldMkLst>
+          <pc:docMk/>
+          <pc:sldMk cId="3911412158" sldId="326"/>
+        </pc:sldMkLst>
+        <pc:spChg chg="del mod">
+          <ac:chgData name="Никита Постнов" userId="ccaeb27e9297bece" providerId="LiveId" clId="{F9EB61B5-44FA-4900-B13F-CAA777326263}" dt="2023-05-09T23:30:43.214" v="365" actId="478"/>
+          <ac:spMkLst>
+            <pc:docMk/>
+            <pc:sldMk cId="3911412158" sldId="326"/>
+            <ac:spMk id="3" creationId="{0115FF41-AFA4-4D25-AB42-AB034F4B4FEC}"/>
+          </ac:spMkLst>
+        </pc:spChg>
+        <pc:spChg chg="del mod">
+          <ac:chgData name="Никита Постнов" userId="ccaeb27e9297bece" providerId="LiveId" clId="{F9EB61B5-44FA-4900-B13F-CAA777326263}" dt="2023-05-09T23:30:40.042" v="363" actId="478"/>
+          <ac:spMkLst>
+            <pc:docMk/>
+            <pc:sldMk cId="3911412158" sldId="326"/>
+            <ac:spMk id="4" creationId="{B0881FA9-F3B0-4912-B0E1-352094195C30}"/>
+          </ac:spMkLst>
+        </pc:spChg>
+        <pc:spChg chg="add mod">
+          <ac:chgData name="Никита Постнов" userId="ccaeb27e9297bece" providerId="LiveId" clId="{F9EB61B5-44FA-4900-B13F-CAA777326263}" dt="2023-05-09T23:35:39.105" v="503" actId="1037"/>
+          <ac:spMkLst>
+            <pc:docMk/>
+            <pc:sldMk cId="3911412158" sldId="326"/>
+            <ac:spMk id="5" creationId="{75690EE4-07DC-8611-3CC4-0B1BEBC2D3A2}"/>
+          </ac:spMkLst>
+        </pc:spChg>
+        <pc:spChg chg="add del">
+          <ac:chgData name="Никита Постнов" userId="ccaeb27e9297bece" providerId="LiveId" clId="{F9EB61B5-44FA-4900-B13F-CAA777326263}" dt="2023-05-09T23:35:10.607" v="454" actId="22"/>
+          <ac:spMkLst>
+            <pc:docMk/>
+            <pc:sldMk cId="3911412158" sldId="326"/>
+            <ac:spMk id="7" creationId="{72108F28-D016-4D21-7DC3-0DB437285A2F}"/>
+          </ac:spMkLst>
+        </pc:spChg>
+        <pc:spChg chg="add mod">
+          <ac:chgData name="Никита Постнов" userId="ccaeb27e9297bece" providerId="LiveId" clId="{F9EB61B5-44FA-4900-B13F-CAA777326263}" dt="2023-05-09T23:35:31.801" v="474" actId="1036"/>
+          <ac:spMkLst>
+            <pc:docMk/>
+            <pc:sldMk cId="3911412158" sldId="326"/>
+            <ac:spMk id="9" creationId="{E54B0555-CF44-4C2A-C804-DD3D9B99A124}"/>
+          </ac:spMkLst>
+        </pc:spChg>
+      </pc:sldChg>
+      <pc:sldChg chg="addSp delSp modSp add mod">
+        <pc:chgData name="Никита Постнов" userId="ccaeb27e9297bece" providerId="LiveId" clId="{F9EB61B5-44FA-4900-B13F-CAA777326263}" dt="2023-05-09T23:38:50.127" v="510" actId="1076"/>
+        <pc:sldMkLst>
+          <pc:docMk/>
+          <pc:sldMk cId="2904224724" sldId="327"/>
+        </pc:sldMkLst>
+        <pc:spChg chg="del mod">
+          <ac:chgData name="Никита Постнов" userId="ccaeb27e9297bece" providerId="LiveId" clId="{F9EB61B5-44FA-4900-B13F-CAA777326263}" dt="2023-05-09T23:38:45.129" v="507" actId="478"/>
+          <ac:spMkLst>
+            <pc:docMk/>
+            <pc:sldMk cId="2904224724" sldId="327"/>
+            <ac:spMk id="3" creationId="{0115FF41-AFA4-4D25-AB42-AB034F4B4FEC}"/>
+          </ac:spMkLst>
+        </pc:spChg>
+        <pc:spChg chg="del mod">
+          <ac:chgData name="Никита Постнов" userId="ccaeb27e9297bece" providerId="LiveId" clId="{F9EB61B5-44FA-4900-B13F-CAA777326263}" dt="2023-05-09T23:38:45.129" v="507" actId="478"/>
+          <ac:spMkLst>
+            <pc:docMk/>
+            <pc:sldMk cId="2904224724" sldId="327"/>
+            <ac:spMk id="4" creationId="{B0881FA9-F3B0-4912-B0E1-352094195C30}"/>
+          </ac:spMkLst>
+        </pc:spChg>
+        <pc:picChg chg="add mod">
+          <ac:chgData name="Никита Постнов" userId="ccaeb27e9297bece" providerId="LiveId" clId="{F9EB61B5-44FA-4900-B13F-CAA777326263}" dt="2023-05-09T23:38:50.127" v="510" actId="1076"/>
+          <ac:picMkLst>
+            <pc:docMk/>
+            <pc:sldMk cId="2904224724" sldId="327"/>
+            <ac:picMk id="1026" creationId="{C4B875FF-839B-F527-B30D-1A5C81C60983}"/>
+          </ac:picMkLst>
+        </pc:picChg>
+      </pc:sldChg>
+      <pc:sldChg chg="addSp delSp modSp new mod">
+        <pc:chgData name="Никита Постнов" userId="ccaeb27e9297bece" providerId="LiveId" clId="{F9EB61B5-44FA-4900-B13F-CAA777326263}" dt="2023-05-09T23:45:17.133" v="545" actId="22"/>
+        <pc:sldMkLst>
+          <pc:docMk/>
+          <pc:sldMk cId="3929377764" sldId="328"/>
+        </pc:sldMkLst>
+        <pc:spChg chg="del">
+          <ac:chgData name="Никита Постнов" userId="ccaeb27e9297bece" providerId="LiveId" clId="{F9EB61B5-44FA-4900-B13F-CAA777326263}" dt="2023-05-09T23:45:09.241" v="540" actId="478"/>
+          <ac:spMkLst>
+            <pc:docMk/>
+            <pc:sldMk cId="3929377764" sldId="328"/>
+            <ac:spMk id="2" creationId="{79798893-9D37-35BB-1584-3749AB12171D}"/>
+          </ac:spMkLst>
+        </pc:spChg>
+        <pc:spChg chg="mod">
+          <ac:chgData name="Никита Постнов" userId="ccaeb27e9297bece" providerId="LiveId" clId="{F9EB61B5-44FA-4900-B13F-CAA777326263}" dt="2023-05-09T23:45:03.417" v="538" actId="20577"/>
+          <ac:spMkLst>
+            <pc:docMk/>
+            <pc:sldMk cId="3929377764" sldId="328"/>
+            <ac:spMk id="3" creationId="{31471834-B488-9B94-587A-17AE4FCD798C}"/>
+          </ac:spMkLst>
+        </pc:spChg>
+        <pc:spChg chg="del">
+          <ac:chgData name="Никита Постнов" userId="ccaeb27e9297bece" providerId="LiveId" clId="{F9EB61B5-44FA-4900-B13F-CAA777326263}" dt="2023-05-09T23:45:06.729" v="539" actId="478"/>
+          <ac:spMkLst>
+            <pc:docMk/>
+            <pc:sldMk cId="3929377764" sldId="328"/>
+            <ac:spMk id="4" creationId="{B28FA340-CC69-8991-A91F-3E512418F455}"/>
+          </ac:spMkLst>
+        </pc:spChg>
+        <pc:spChg chg="del mod">
+          <ac:chgData name="Никита Постнов" userId="ccaeb27e9297bece" providerId="LiveId" clId="{F9EB61B5-44FA-4900-B13F-CAA777326263}" dt="2023-05-09T23:45:12.785" v="543" actId="478"/>
+          <ac:spMkLst>
+            <pc:docMk/>
+            <pc:sldMk cId="3929377764" sldId="328"/>
+            <ac:spMk id="5" creationId="{E488EE31-D37A-220F-E079-918432CE4ED0}"/>
+          </ac:spMkLst>
+        </pc:spChg>
+        <pc:spChg chg="del">
+          <ac:chgData name="Никита Постнов" userId="ccaeb27e9297bece" providerId="LiveId" clId="{F9EB61B5-44FA-4900-B13F-CAA777326263}" dt="2023-05-09T23:45:10.249" v="541" actId="478"/>
+          <ac:spMkLst>
+            <pc:docMk/>
+            <pc:sldMk cId="3929377764" sldId="328"/>
+            <ac:spMk id="6" creationId="{121A0829-06AF-9FC2-DB39-A67277EC5BB9}"/>
+          </ac:spMkLst>
+        </pc:spChg>
+        <pc:spChg chg="add del">
+          <ac:chgData name="Никита Постнов" userId="ccaeb27e9297bece" providerId="LiveId" clId="{F9EB61B5-44FA-4900-B13F-CAA777326263}" dt="2023-05-09T23:45:17.133" v="545" actId="22"/>
+          <ac:spMkLst>
+            <pc:docMk/>
+            <pc:sldMk cId="3929377764" sldId="328"/>
+            <ac:spMk id="9" creationId="{A4031352-BF71-5F52-0A88-744F076457AB}"/>
+          </ac:spMkLst>
+        </pc:spChg>
+      </pc:sldChg>
+    </pc:docChg>
+  </pc:docChgLst>
+</pc:chgInfo>
+</file>
+
 <file path=ppt/handoutMasters/handoutMaster1.xml><?xml version="1.0" encoding="utf-8"?>
 <p:handoutMaster xmlns:a="http://schemas.openxmlformats.org/drawingml/2006/main" xmlns:r="http://schemas.openxmlformats.org/officeDocument/2006/relationships" xmlns:p="http://schemas.openxmlformats.org/presentationml/2006/main">
   <p:cSld>
@@ -250,7 +725,7 @@
           <a:p>
             <a:fld id="{04A54181-0B45-450D-B35E-7AF7AACE2E53}" type="datetime1">
               <a:rPr lang="ru-RU" smtClean="0"/>
-              <a:t>29.06.2022</a:t>
+              <a:t>10.05.2023</a:t>
             </a:fld>
             <a:endParaRPr lang="ru-RU"/>
           </a:p>
@@ -430,7 +905,7 @@
             <a:pPr rtl="0"/>
             <a:fld id="{1435D3A4-2A58-4C50-BCBA-FDFC20DE69E5}" type="datetime1">
               <a:rPr lang="ru-RU" noProof="0" smtClean="0"/>
-              <a:t>29.06.2022</a:t>
+              <a:t>10.05.2023</a:t>
             </a:fld>
             <a:endParaRPr lang="ru-RU" noProof="0"/>
           </a:p>
@@ -852,7 +1327,7 @@
             <a:pPr rtl="0"/>
             <a:fld id="{D5939589-3E79-4C82-AA4A-FE78234FAA59}" type="slidenum">
               <a:rPr lang="ru-RU" smtClean="0"/>
-              <a:t>10</a:t>
+              <a:t>11</a:t>
             </a:fld>
             <a:endParaRPr lang="ru-RU"/>
           </a:p>
@@ -861,7 +1336,7 @@
     </p:spTree>
     <p:extLst>
       <p:ext uri="{BB962C8B-B14F-4D97-AF65-F5344CB8AC3E}">
-        <p14:creationId xmlns:p14="http://schemas.microsoft.com/office/powerpoint/2010/main" val="3673864872"/>
+        <p14:creationId xmlns:p14="http://schemas.microsoft.com/office/powerpoint/2010/main" val="113783170"/>
       </p:ext>
     </p:extLst>
   </p:cSld>
@@ -937,7 +1412,7 @@
             <a:pPr rtl="0"/>
             <a:fld id="{D5939589-3E79-4C82-AA4A-FE78234FAA59}" type="slidenum">
               <a:rPr lang="ru-RU" smtClean="0"/>
-              <a:t>11</a:t>
+              <a:t>12</a:t>
             </a:fld>
             <a:endParaRPr lang="ru-RU"/>
           </a:p>
@@ -946,7 +1421,7 @@
     </p:spTree>
     <p:extLst>
       <p:ext uri="{BB962C8B-B14F-4D97-AF65-F5344CB8AC3E}">
-        <p14:creationId xmlns:p14="http://schemas.microsoft.com/office/powerpoint/2010/main" val="3682052304"/>
+        <p14:creationId xmlns:p14="http://schemas.microsoft.com/office/powerpoint/2010/main" val="241331053"/>
       </p:ext>
     </p:extLst>
   </p:cSld>
@@ -1022,7 +1497,7 @@
             <a:pPr rtl="0"/>
             <a:fld id="{D5939589-3E79-4C82-AA4A-FE78234FAA59}" type="slidenum">
               <a:rPr lang="ru-RU" smtClean="0"/>
-              <a:t>12</a:t>
+              <a:t>13</a:t>
             </a:fld>
             <a:endParaRPr lang="ru-RU"/>
           </a:p>
@@ -1031,7 +1506,7 @@
     </p:spTree>
     <p:extLst>
       <p:ext uri="{BB962C8B-B14F-4D97-AF65-F5344CB8AC3E}">
-        <p14:creationId xmlns:p14="http://schemas.microsoft.com/office/powerpoint/2010/main" val="763825616"/>
+        <p14:creationId xmlns:p14="http://schemas.microsoft.com/office/powerpoint/2010/main" val="4056703271"/>
       </p:ext>
     </p:extLst>
   </p:cSld>
@@ -1107,7 +1582,7 @@
             <a:pPr rtl="0"/>
             <a:fld id="{D5939589-3E79-4C82-AA4A-FE78234FAA59}" type="slidenum">
               <a:rPr lang="ru-RU" smtClean="0"/>
-              <a:t>13</a:t>
+              <a:t>14</a:t>
             </a:fld>
             <a:endParaRPr lang="ru-RU"/>
           </a:p>
@@ -1192,7 +1667,7 @@
             <a:pPr rtl="0"/>
             <a:fld id="{D5939589-3E79-4C82-AA4A-FE78234FAA59}" type="slidenum">
               <a:rPr lang="ru-RU" smtClean="0"/>
-              <a:t>14</a:t>
+              <a:t>15</a:t>
             </a:fld>
             <a:endParaRPr lang="ru-RU"/>
           </a:p>
@@ -1371,7 +1846,7 @@
     </p:spTree>
     <p:extLst>
       <p:ext uri="{BB962C8B-B14F-4D97-AF65-F5344CB8AC3E}">
-        <p14:creationId xmlns:p14="http://schemas.microsoft.com/office/powerpoint/2010/main" val="3052097400"/>
+        <p14:creationId xmlns:p14="http://schemas.microsoft.com/office/powerpoint/2010/main" val="4184663429"/>
       </p:ext>
     </p:extLst>
   </p:cSld>
@@ -1456,7 +1931,7 @@
     </p:spTree>
     <p:extLst>
       <p:ext uri="{BB962C8B-B14F-4D97-AF65-F5344CB8AC3E}">
-        <p14:creationId xmlns:p14="http://schemas.microsoft.com/office/powerpoint/2010/main" val="291763833"/>
+        <p14:creationId xmlns:p14="http://schemas.microsoft.com/office/powerpoint/2010/main" val="3847869264"/>
       </p:ext>
     </p:extLst>
   </p:cSld>
@@ -1532,7 +2007,7 @@
             <a:pPr rtl="0"/>
             <a:fld id="{D5939589-3E79-4C82-AA4A-FE78234FAA59}" type="slidenum">
               <a:rPr lang="ru-RU" smtClean="0"/>
-              <a:t>5</a:t>
+              <a:t>6</a:t>
             </a:fld>
             <a:endParaRPr lang="ru-RU"/>
           </a:p>
@@ -1541,7 +2016,7 @@
     </p:spTree>
     <p:extLst>
       <p:ext uri="{BB962C8B-B14F-4D97-AF65-F5344CB8AC3E}">
-        <p14:creationId xmlns:p14="http://schemas.microsoft.com/office/powerpoint/2010/main" val="3855181847"/>
+        <p14:creationId xmlns:p14="http://schemas.microsoft.com/office/powerpoint/2010/main" val="2380272532"/>
       </p:ext>
     </p:extLst>
   </p:cSld>
@@ -1617,7 +2092,7 @@
             <a:pPr rtl="0"/>
             <a:fld id="{D5939589-3E79-4C82-AA4A-FE78234FAA59}" type="slidenum">
               <a:rPr lang="ru-RU" smtClean="0"/>
-              <a:t>6</a:t>
+              <a:t>7</a:t>
             </a:fld>
             <a:endParaRPr lang="ru-RU"/>
           </a:p>
@@ -1626,7 +2101,7 @@
     </p:spTree>
     <p:extLst>
       <p:ext uri="{BB962C8B-B14F-4D97-AF65-F5344CB8AC3E}">
-        <p14:creationId xmlns:p14="http://schemas.microsoft.com/office/powerpoint/2010/main" val="2263797520"/>
+        <p14:creationId xmlns:p14="http://schemas.microsoft.com/office/powerpoint/2010/main" val="3673864872"/>
       </p:ext>
     </p:extLst>
   </p:cSld>
@@ -1702,7 +2177,7 @@
             <a:pPr rtl="0"/>
             <a:fld id="{D5939589-3E79-4C82-AA4A-FE78234FAA59}" type="slidenum">
               <a:rPr lang="ru-RU" smtClean="0"/>
-              <a:t>7</a:t>
+              <a:t>8</a:t>
             </a:fld>
             <a:endParaRPr lang="ru-RU"/>
           </a:p>
@@ -1711,7 +2186,7 @@
     </p:spTree>
     <p:extLst>
       <p:ext uri="{BB962C8B-B14F-4D97-AF65-F5344CB8AC3E}">
-        <p14:creationId xmlns:p14="http://schemas.microsoft.com/office/powerpoint/2010/main" val="2000728617"/>
+        <p14:creationId xmlns:p14="http://schemas.microsoft.com/office/powerpoint/2010/main" val="3682052304"/>
       </p:ext>
     </p:extLst>
   </p:cSld>
@@ -1787,7 +2262,7 @@
             <a:pPr rtl="0"/>
             <a:fld id="{D5939589-3E79-4C82-AA4A-FE78234FAA59}" type="slidenum">
               <a:rPr lang="ru-RU" smtClean="0"/>
-              <a:t>8</a:t>
+              <a:t>9</a:t>
             </a:fld>
             <a:endParaRPr lang="ru-RU"/>
           </a:p>
@@ -1796,7 +2271,7 @@
     </p:spTree>
     <p:extLst>
       <p:ext uri="{BB962C8B-B14F-4D97-AF65-F5344CB8AC3E}">
-        <p14:creationId xmlns:p14="http://schemas.microsoft.com/office/powerpoint/2010/main" val="2456255153"/>
+        <p14:creationId xmlns:p14="http://schemas.microsoft.com/office/powerpoint/2010/main" val="763825616"/>
       </p:ext>
     </p:extLst>
   </p:cSld>
@@ -1872,7 +2347,7 @@
             <a:pPr rtl="0"/>
             <a:fld id="{D5939589-3E79-4C82-AA4A-FE78234FAA59}" type="slidenum">
               <a:rPr lang="ru-RU" smtClean="0"/>
-              <a:t>9</a:t>
+              <a:t>10</a:t>
             </a:fld>
             <a:endParaRPr lang="ru-RU"/>
           </a:p>
@@ -1881,7 +2356,7 @@
     </p:spTree>
     <p:extLst>
       <p:ext uri="{BB962C8B-B14F-4D97-AF65-F5344CB8AC3E}">
-        <p14:creationId xmlns:p14="http://schemas.microsoft.com/office/powerpoint/2010/main" val="2380272532"/>
+        <p14:creationId xmlns:p14="http://schemas.microsoft.com/office/powerpoint/2010/main" val="661244762"/>
       </p:ext>
     </p:extLst>
   </p:cSld>
@@ -12682,7 +13157,7 @@
         </p:nvSpPr>
         <p:spPr>
           <a:xfrm>
-            <a:off x="1456944" y="3429000"/>
+            <a:off x="1456944" y="2167128"/>
             <a:ext cx="6272784" cy="2843784"/>
           </a:xfrm>
         </p:spPr>
@@ -12695,7 +13170,7 @@
             <a:pPr rtl="0"/>
             <a:r>
               <a:rPr lang="ru-RU" sz="5000" dirty="0"/>
-              <a:t>Разработка клиент-серверного приложения для вычисления и определения эффективности производства</a:t>
+              <a:t>Разработка ВЕБ-ПРИЛОЖЕНИЯ ДЛЯ УПРАВЛЕНИЯ ПУБЛИЧНЫМИ МЕРОПРИЯТИЯМИ</a:t>
             </a:r>
           </a:p>
         </p:txBody>
@@ -12739,7 +13214,7 @@
                   <a:schemeClr val="bg1"/>
                 </a:solidFill>
               </a:rPr>
-              <a:t>тудент</a:t>
+              <a:t>тудентка</a:t>
             </a:r>
             <a:endParaRPr lang="en-US" sz="2400" dirty="0">
               <a:solidFill>
@@ -12750,13 +13225,22 @@
           <a:p>
             <a:pPr rtl="0"/>
             <a:r>
-              <a:rPr lang="ru-RU" sz="2400" dirty="0">
+              <a:rPr lang="ru-RU" sz="2400" dirty="0" err="1"/>
+              <a:t>Иванова</a:t>
+            </a:r>
+            <a:r>
+              <a:rPr lang="ru-RU" sz="2400" dirty="0" err="1">
                 <a:solidFill>
                   <a:schemeClr val="bg1"/>
                 </a:solidFill>
               </a:rPr>
-              <a:t>ПОСТНОВ Н.Е.</a:t>
+              <a:t>.И.И</a:t>
             </a:r>
+            <a:endParaRPr lang="ru-RU" sz="2400" dirty="0">
+              <a:solidFill>
+                <a:schemeClr val="bg1"/>
+              </a:solidFill>
+            </a:endParaRPr>
           </a:p>
           <a:p>
             <a:pPr rtl="0"/>
@@ -12850,10 +13334,10 @@
       </p:sp>
       <p:pic>
         <p:nvPicPr>
-          <p:cNvPr id="5" name="Рисунок 4" descr="Изображение выглядит как текст&#10;&#10;Автоматически созданное описание">
-            <a:extLst>
-              <a:ext uri="{FF2B5EF4-FFF2-40B4-BE49-F238E27FC236}">
-                <a16:creationId xmlns:a16="http://schemas.microsoft.com/office/drawing/2014/main" id="{F7E2EEC0-F07B-1661-D607-FE67B04ADA10}"/>
+          <p:cNvPr id="6" name="Рисунок 5">
+            <a:extLst>
+              <a:ext uri="{FF2B5EF4-FFF2-40B4-BE49-F238E27FC236}">
+                <a16:creationId xmlns:a16="http://schemas.microsoft.com/office/drawing/2014/main" id="{8A514309-F353-510A-3BE9-0CC0AC9C860C}"/>
               </a:ext>
             </a:extLst>
           </p:cNvPr>
@@ -12870,68 +13354,8 @@
         </p:blipFill>
         <p:spPr>
           <a:xfrm>
-            <a:off x="359647" y="1464291"/>
-            <a:ext cx="6179583" cy="1819098"/>
-          </a:xfrm>
-          <a:prstGeom prst="rect">
-            <a:avLst/>
-          </a:prstGeom>
-        </p:spPr>
-      </p:pic>
-      <p:pic>
-        <p:nvPicPr>
-          <p:cNvPr id="6" name="Рисунок 5" descr="Изображение выглядит как стол&#10;&#10;Автоматически созданное описание">
-            <a:extLst>
-              <a:ext uri="{FF2B5EF4-FFF2-40B4-BE49-F238E27FC236}">
-                <a16:creationId xmlns:a16="http://schemas.microsoft.com/office/drawing/2014/main" id="{E7018638-FEA5-EF55-E27F-47FD22B1856C}"/>
-              </a:ext>
-            </a:extLst>
-          </p:cNvPr>
-          <p:cNvPicPr>
-            <a:picLocks noChangeAspect="1"/>
-          </p:cNvPicPr>
-          <p:nvPr/>
-        </p:nvPicPr>
-        <p:blipFill>
-          <a:blip r:embed="rId4"/>
-          <a:stretch>
-            <a:fillRect/>
-          </a:stretch>
-        </p:blipFill>
-        <p:spPr>
-          <a:xfrm>
-            <a:off x="6874980" y="1434909"/>
-            <a:ext cx="5187936" cy="1877863"/>
-          </a:xfrm>
-          <a:prstGeom prst="rect">
-            <a:avLst/>
-          </a:prstGeom>
-        </p:spPr>
-      </p:pic>
-      <p:pic>
-        <p:nvPicPr>
-          <p:cNvPr id="9" name="Рисунок 8">
-            <a:extLst>
-              <a:ext uri="{FF2B5EF4-FFF2-40B4-BE49-F238E27FC236}">
-                <a16:creationId xmlns:a16="http://schemas.microsoft.com/office/drawing/2014/main" id="{E81B5ED8-AD69-644B-1C35-C8C8780E6B12}"/>
-              </a:ext>
-            </a:extLst>
-          </p:cNvPr>
-          <p:cNvPicPr>
-            <a:picLocks noChangeAspect="1"/>
-          </p:cNvPicPr>
-          <p:nvPr/>
-        </p:nvPicPr>
-        <p:blipFill>
-          <a:blip r:embed="rId5"/>
-          <a:stretch>
-            <a:fillRect/>
-          </a:stretch>
-        </p:blipFill>
-        <p:spPr>
-          <a:xfrm>
-            <a:off x="3945578" y="3603992"/>
-            <a:ext cx="4879340" cy="2903220"/>
+            <a:off x="1314263" y="1481438"/>
+            <a:ext cx="6161905" cy="4809524"/>
           </a:xfrm>
           <a:prstGeom prst="rect">
             <a:avLst/>
@@ -12941,7 +13365,7 @@
     </p:spTree>
     <p:extLst>
       <p:ext uri="{BB962C8B-B14F-4D97-AF65-F5344CB8AC3E}">
-        <p14:creationId xmlns:p14="http://schemas.microsoft.com/office/powerpoint/2010/main" val="3645630648"/>
+        <p14:creationId xmlns:p14="http://schemas.microsoft.com/office/powerpoint/2010/main" val="2293643087"/>
       </p:ext>
     </p:extLst>
   </p:cSld>
@@ -13006,10 +13430,10 @@
       </p:sp>
       <p:pic>
         <p:nvPicPr>
-          <p:cNvPr id="7" name="Рисунок 6" descr="Изображение выглядит как текст&#10;&#10;Автоматически созданное описание">
-            <a:extLst>
-              <a:ext uri="{FF2B5EF4-FFF2-40B4-BE49-F238E27FC236}">
-                <a16:creationId xmlns:a16="http://schemas.microsoft.com/office/drawing/2014/main" id="{A7F4B8CD-90C4-B54C-30C9-6D3991DD2EF1}"/>
+          <p:cNvPr id="4" name="Рисунок 3">
+            <a:extLst>
+              <a:ext uri="{FF2B5EF4-FFF2-40B4-BE49-F238E27FC236}">
+                <a16:creationId xmlns:a16="http://schemas.microsoft.com/office/drawing/2014/main" id="{4E8D0634-E966-1A2F-67D3-85656055DE25}"/>
               </a:ext>
             </a:extLst>
           </p:cNvPr>
@@ -13026,68 +13450,8 @@
         </p:blipFill>
         <p:spPr>
           <a:xfrm>
-            <a:off x="919496" y="1768230"/>
-            <a:ext cx="5678036" cy="2367720"/>
-          </a:xfrm>
-          <a:prstGeom prst="rect">
-            <a:avLst/>
-          </a:prstGeom>
-        </p:spPr>
-      </p:pic>
-      <p:pic>
-        <p:nvPicPr>
-          <p:cNvPr id="8" name="Рисунок 7">
-            <a:extLst>
-              <a:ext uri="{FF2B5EF4-FFF2-40B4-BE49-F238E27FC236}">
-                <a16:creationId xmlns:a16="http://schemas.microsoft.com/office/drawing/2014/main" id="{1D34BDF8-8A16-213C-72E4-8DC3C22B6635}"/>
-              </a:ext>
-            </a:extLst>
-          </p:cNvPr>
-          <p:cNvPicPr>
-            <a:picLocks noChangeAspect="1"/>
-          </p:cNvPicPr>
-          <p:nvPr/>
-        </p:nvPicPr>
-        <p:blipFill>
-          <a:blip r:embed="rId4"/>
-          <a:stretch>
-            <a:fillRect/>
-          </a:stretch>
-        </p:blipFill>
-        <p:spPr>
-          <a:xfrm>
-            <a:off x="6705600" y="2216565"/>
-            <a:ext cx="5486400" cy="1725295"/>
-          </a:xfrm>
-          <a:prstGeom prst="rect">
-            <a:avLst/>
-          </a:prstGeom>
-        </p:spPr>
-      </p:pic>
-      <p:pic>
-        <p:nvPicPr>
-          <p:cNvPr id="10" name="Рисунок 9">
-            <a:extLst>
-              <a:ext uri="{FF2B5EF4-FFF2-40B4-BE49-F238E27FC236}">
-                <a16:creationId xmlns:a16="http://schemas.microsoft.com/office/drawing/2014/main" id="{79E73705-A198-3A07-4773-EBAE1179DDE1}"/>
-              </a:ext>
-            </a:extLst>
-          </p:cNvPr>
-          <p:cNvPicPr>
-            <a:picLocks noChangeAspect="1"/>
-          </p:cNvPicPr>
-          <p:nvPr/>
-        </p:nvPicPr>
-        <p:blipFill>
-          <a:blip r:embed="rId5"/>
-          <a:stretch>
-            <a:fillRect/>
-          </a:stretch>
-        </p:blipFill>
-        <p:spPr>
-          <a:xfrm>
-            <a:off x="1062371" y="4959617"/>
-            <a:ext cx="9019489" cy="1898383"/>
+            <a:off x="1040704" y="1563046"/>
+            <a:ext cx="5455904" cy="4929829"/>
           </a:xfrm>
           <a:prstGeom prst="rect">
             <a:avLst/>
@@ -13097,7 +13461,7 @@
     </p:spTree>
     <p:extLst>
       <p:ext uri="{BB962C8B-B14F-4D97-AF65-F5344CB8AC3E}">
-        <p14:creationId xmlns:p14="http://schemas.microsoft.com/office/powerpoint/2010/main" val="690710266"/>
+        <p14:creationId xmlns:p14="http://schemas.microsoft.com/office/powerpoint/2010/main" val="2802529549"/>
       </p:ext>
     </p:extLst>
   </p:cSld>
@@ -13162,10 +13526,10 @@
       </p:sp>
       <p:pic>
         <p:nvPicPr>
-          <p:cNvPr id="6" name="Рисунок 5" descr="Изображение выглядит как текст&#10;&#10;Автоматически созданное описание">
-            <a:extLst>
-              <a:ext uri="{FF2B5EF4-FFF2-40B4-BE49-F238E27FC236}">
-                <a16:creationId xmlns:a16="http://schemas.microsoft.com/office/drawing/2014/main" id="{72986472-53B3-939E-1071-B76A733D73EB}"/>
+          <p:cNvPr id="7" name="Рисунок 6">
+            <a:extLst>
+              <a:ext uri="{FF2B5EF4-FFF2-40B4-BE49-F238E27FC236}">
+                <a16:creationId xmlns:a16="http://schemas.microsoft.com/office/drawing/2014/main" id="{6AB1233A-07E6-5F0B-CB16-A5570B1D442D}"/>
               </a:ext>
             </a:extLst>
           </p:cNvPr>
@@ -13182,38 +13546,8 @@
         </p:blipFill>
         <p:spPr>
           <a:xfrm>
-            <a:off x="1017587" y="1690688"/>
-            <a:ext cx="7380047" cy="1636943"/>
-          </a:xfrm>
-          <a:prstGeom prst="rect">
-            <a:avLst/>
-          </a:prstGeom>
-        </p:spPr>
-      </p:pic>
-      <p:pic>
-        <p:nvPicPr>
-          <p:cNvPr id="9" name="Рисунок 8" descr="Изображение выглядит как текст&#10;&#10;Автоматически созданное описание">
-            <a:extLst>
-              <a:ext uri="{FF2B5EF4-FFF2-40B4-BE49-F238E27FC236}">
-                <a16:creationId xmlns:a16="http://schemas.microsoft.com/office/drawing/2014/main" id="{E8994279-C663-C3FA-F789-9AB5BA4FEC3B}"/>
-              </a:ext>
-            </a:extLst>
-          </p:cNvPr>
-          <p:cNvPicPr>
-            <a:picLocks noChangeAspect="1"/>
-          </p:cNvPicPr>
-          <p:nvPr/>
-        </p:nvPicPr>
-        <p:blipFill>
-          <a:blip r:embed="rId4"/>
-          <a:stretch>
-            <a:fillRect/>
-          </a:stretch>
-        </p:blipFill>
-        <p:spPr>
-          <a:xfrm>
-            <a:off x="1255712" y="3400424"/>
-            <a:ext cx="5562796" cy="3286125"/>
+            <a:off x="5109403" y="817616"/>
+            <a:ext cx="5652157" cy="5222768"/>
           </a:xfrm>
           <a:prstGeom prst="rect">
             <a:avLst/>
@@ -13223,7 +13557,7 @@
     </p:spTree>
     <p:extLst>
       <p:ext uri="{BB962C8B-B14F-4D97-AF65-F5344CB8AC3E}">
-        <p14:creationId xmlns:p14="http://schemas.microsoft.com/office/powerpoint/2010/main" val="3974250883"/>
+        <p14:creationId xmlns:p14="http://schemas.microsoft.com/office/powerpoint/2010/main" val="92328225"/>
       </p:ext>
     </p:extLst>
   </p:cSld>
@@ -13255,7 +13589,7 @@
           <p:cNvPr id="2" name="Заголовок 1">
             <a:extLst>
               <a:ext uri="{FF2B5EF4-FFF2-40B4-BE49-F238E27FC236}">
-                <a16:creationId xmlns:a16="http://schemas.microsoft.com/office/drawing/2014/main" id="{CFACDA59-55A0-4EA5-B3E4-646D1D3B4CEB}"/>
+                <a16:creationId xmlns:a16="http://schemas.microsoft.com/office/drawing/2014/main" id="{66485278-3D07-466F-8351-667A2EBEABB8}"/>
               </a:ext>
             </a:extLst>
           </p:cNvPr>
@@ -13268,72 +13602,58 @@
         </p:nvSpPr>
         <p:spPr>
           <a:xfrm>
-            <a:off x="839788" y="317500"/>
+            <a:off x="838200" y="365125"/>
             <a:ext cx="10515600" cy="1325563"/>
           </a:xfrm>
         </p:spPr>
         <p:txBody>
-          <a:bodyPr rtlCol="0">
+          <a:bodyPr rtlCol="0" anchor="ctr">
             <a:normAutofit/>
           </a:bodyPr>
           <a:lstStyle/>
           <a:p>
             <a:pPr rtl="0"/>
             <a:r>
-              <a:rPr lang="ru-RU" sz="5400" dirty="0"/>
-              <a:t>Итоги</a:t>
+              <a:rPr lang="ru-RU" dirty="0"/>
+              <a:t>Интерфейс</a:t>
             </a:r>
           </a:p>
         </p:txBody>
       </p:sp>
-      <p:sp>
-        <p:nvSpPr>
-          <p:cNvPr id="8" name="TextBox 7">
-            <a:extLst>
-              <a:ext uri="{FF2B5EF4-FFF2-40B4-BE49-F238E27FC236}">
-                <a16:creationId xmlns:a16="http://schemas.microsoft.com/office/drawing/2014/main" id="{F777B8FB-257C-86C4-110D-9BC6547029F9}"/>
-              </a:ext>
-            </a:extLst>
-          </p:cNvPr>
-          <p:cNvSpPr txBox="1"/>
+      <p:pic>
+        <p:nvPicPr>
+          <p:cNvPr id="4" name="Рисунок 3">
+            <a:extLst>
+              <a:ext uri="{FF2B5EF4-FFF2-40B4-BE49-F238E27FC236}">
+                <a16:creationId xmlns:a16="http://schemas.microsoft.com/office/drawing/2014/main" id="{525FDFFF-D5E1-1502-3F5F-DD17BDA8FC36}"/>
+              </a:ext>
+            </a:extLst>
+          </p:cNvPr>
+          <p:cNvPicPr>
+            <a:picLocks noChangeAspect="1"/>
+          </p:cNvPicPr>
           <p:nvPr/>
-        </p:nvSpPr>
+        </p:nvPicPr>
+        <p:blipFill>
+          <a:blip r:embed="rId3"/>
+          <a:stretch>
+            <a:fillRect/>
+          </a:stretch>
+        </p:blipFill>
         <p:spPr>
           <a:xfrm>
-            <a:off x="839788" y="1659285"/>
-            <a:ext cx="6096000" cy="3539430"/>
+            <a:off x="5239514" y="576619"/>
+            <a:ext cx="6114286" cy="5704762"/>
           </a:xfrm>
           <a:prstGeom prst="rect">
             <a:avLst/>
           </a:prstGeom>
-          <a:noFill/>
         </p:spPr>
-        <p:txBody>
-          <a:bodyPr wrap="square">
-            <a:spAutoFit/>
-          </a:bodyPr>
-          <a:lstStyle/>
-          <a:p>
-            <a:pPr rtl="0"/>
-            <a:r>
-              <a:rPr lang="ru-RU" sz="3200" dirty="0"/>
-              <a:t>В ходе проделанной работы были проанализированы известные методы вычисления производства, разработано </a:t>
-            </a:r>
-            <a:r>
-              <a:rPr lang="en-US" sz="3200" dirty="0"/>
-              <a:t>web-</a:t>
-            </a:r>
-            <a:r>
-              <a:rPr lang="ru-RU" sz="3200" dirty="0"/>
-              <a:t>приложения для конкретной организации.</a:t>
-            </a:r>
-          </a:p>
-        </p:txBody>
-      </p:sp>
+      </p:pic>
     </p:spTree>
     <p:extLst>
       <p:ext uri="{BB962C8B-B14F-4D97-AF65-F5344CB8AC3E}">
-        <p14:creationId xmlns:p14="http://schemas.microsoft.com/office/powerpoint/2010/main" val="3124766000"/>
+        <p14:creationId xmlns:p14="http://schemas.microsoft.com/office/powerpoint/2010/main" val="2142486076"/>
       </p:ext>
     </p:extLst>
   </p:cSld>
@@ -13362,6 +13682,116 @@
       </p:grpSpPr>
       <p:sp>
         <p:nvSpPr>
+          <p:cNvPr id="2" name="Заголовок 1">
+            <a:extLst>
+              <a:ext uri="{FF2B5EF4-FFF2-40B4-BE49-F238E27FC236}">
+                <a16:creationId xmlns:a16="http://schemas.microsoft.com/office/drawing/2014/main" id="{CFACDA59-55A0-4EA5-B3E4-646D1D3B4CEB}"/>
+              </a:ext>
+            </a:extLst>
+          </p:cNvPr>
+          <p:cNvSpPr>
+            <a:spLocks noGrp="1"/>
+          </p:cNvSpPr>
+          <p:nvPr>
+            <p:ph type="title"/>
+          </p:nvPr>
+        </p:nvSpPr>
+        <p:spPr>
+          <a:xfrm>
+            <a:off x="839788" y="317500"/>
+            <a:ext cx="10515600" cy="1325563"/>
+          </a:xfrm>
+        </p:spPr>
+        <p:txBody>
+          <a:bodyPr rtlCol="0">
+            <a:normAutofit/>
+          </a:bodyPr>
+          <a:lstStyle/>
+          <a:p>
+            <a:pPr rtl="0"/>
+            <a:r>
+              <a:rPr lang="ru-RU" sz="5400" dirty="0"/>
+              <a:t>Итоги</a:t>
+            </a:r>
+          </a:p>
+        </p:txBody>
+      </p:sp>
+      <p:sp>
+        <p:nvSpPr>
+          <p:cNvPr id="8" name="TextBox 7">
+            <a:extLst>
+              <a:ext uri="{FF2B5EF4-FFF2-40B4-BE49-F238E27FC236}">
+                <a16:creationId xmlns:a16="http://schemas.microsoft.com/office/drawing/2014/main" id="{F777B8FB-257C-86C4-110D-9BC6547029F9}"/>
+              </a:ext>
+            </a:extLst>
+          </p:cNvPr>
+          <p:cNvSpPr txBox="1"/>
+          <p:nvPr/>
+        </p:nvSpPr>
+        <p:spPr>
+          <a:xfrm>
+            <a:off x="839788" y="1659285"/>
+            <a:ext cx="6096000" cy="3539430"/>
+          </a:xfrm>
+          <a:prstGeom prst="rect">
+            <a:avLst/>
+          </a:prstGeom>
+          <a:noFill/>
+        </p:spPr>
+        <p:txBody>
+          <a:bodyPr wrap="square">
+            <a:spAutoFit/>
+          </a:bodyPr>
+          <a:lstStyle/>
+          <a:p>
+            <a:pPr rtl="0"/>
+            <a:r>
+              <a:rPr lang="ru-RU" sz="3200" dirty="0"/>
+              <a:t>В ходе проделанной работы были проанализированы известные методы вычисления производства, разработано </a:t>
+            </a:r>
+            <a:r>
+              <a:rPr lang="en-US" sz="3200" dirty="0"/>
+              <a:t>web-</a:t>
+            </a:r>
+            <a:r>
+              <a:rPr lang="ru-RU" sz="3200" dirty="0"/>
+              <a:t>приложения для конкретной организации.</a:t>
+            </a:r>
+          </a:p>
+        </p:txBody>
+      </p:sp>
+    </p:spTree>
+    <p:extLst>
+      <p:ext uri="{BB962C8B-B14F-4D97-AF65-F5344CB8AC3E}">
+        <p14:creationId xmlns:p14="http://schemas.microsoft.com/office/powerpoint/2010/main" val="3124766000"/>
+      </p:ext>
+    </p:extLst>
+  </p:cSld>
+  <p:clrMapOvr>
+    <a:masterClrMapping/>
+  </p:clrMapOvr>
+</p:sld>
+</file>
+
+<file path=ppt/slides/slide15.xml><?xml version="1.0" encoding="utf-8"?>
+<p:sld xmlns:a="http://schemas.openxmlformats.org/drawingml/2006/main" xmlns:r="http://schemas.openxmlformats.org/officeDocument/2006/relationships" xmlns:p="http://schemas.openxmlformats.org/presentationml/2006/main">
+  <p:cSld>
+    <p:spTree>
+      <p:nvGrpSpPr>
+        <p:cNvPr id="1" name=""/>
+        <p:cNvGrpSpPr/>
+        <p:nvPr/>
+      </p:nvGrpSpPr>
+      <p:grpSpPr>
+        <a:xfrm>
+          <a:off x="0" y="0"/>
+          <a:ext cx="0" cy="0"/>
+          <a:chOff x="0" y="0"/>
+          <a:chExt cx="0" cy="0"/>
+        </a:xfrm>
+      </p:grpSpPr>
+      <p:sp>
+        <p:nvSpPr>
           <p:cNvPr id="22" name="Дата 21">
             <a:extLst>
               <a:ext uri="{FF2B5EF4-FFF2-40B4-BE49-F238E27FC236}">
@@ -13414,7 +13844,7 @@
             <a:fld id="{D8DA9DAA-006C-4F4B-980E-E3DF019B24E2}" type="slidenum">
               <a:rPr lang="ru-RU" smtClean="0"/>
               <a:pPr rtl="0"/>
-              <a:t>14</a:t>
+              <a:t>15</a:t>
             </a:fld>
             <a:endParaRPr lang="ru-RU"/>
           </a:p>
@@ -13667,15 +14097,20 @@
             <a:pPr algn="just" rtl="0"/>
             <a:r>
               <a:rPr lang="ru-RU" sz="2800" dirty="0"/>
-              <a:t>Создание клиент-серверного приложения для определения эффективности производства</a:t>
+              <a:t>Создание веб-приложения для участия и управления публичными мероприятиями</a:t>
             </a:r>
           </a:p>
           <a:p>
             <a:pPr algn="just" rtl="0"/>
             <a:r>
               <a:rPr lang="ru-RU" sz="2800" dirty="0"/>
-              <a:t>Внедрение готового решение на конкретное предприятие </a:t>
+              <a:t>Внедрение готового решение для студентов </a:t>
             </a:r>
+            <a:r>
+              <a:rPr lang="ru-RU" sz="2800" dirty="0" err="1"/>
+              <a:t>КубГУ</a:t>
+            </a:r>
+            <a:endParaRPr lang="ru-RU" sz="2800" dirty="0"/>
           </a:p>
           <a:p>
             <a:pPr rtl="0"/>
@@ -13713,126 +14148,57 @@
           <a:chExt cx="0" cy="0"/>
         </a:xfrm>
       </p:grpSpPr>
-      <p:sp>
-        <p:nvSpPr>
-          <p:cNvPr id="2" name="Заголовок 1">
-            <a:extLst>
-              <a:ext uri="{FF2B5EF4-FFF2-40B4-BE49-F238E27FC236}">
-                <a16:creationId xmlns:a16="http://schemas.microsoft.com/office/drawing/2014/main" id="{C5F2FB0B-15EC-453B-BC9B-69AD35DDCEA3}"/>
-              </a:ext>
-            </a:extLst>
-          </p:cNvPr>
-          <p:cNvSpPr>
-            <a:spLocks noGrp="1"/>
-          </p:cNvSpPr>
-          <p:nvPr>
-            <p:ph type="title"/>
-          </p:nvPr>
-        </p:nvSpPr>
-        <p:spPr>
-          <a:xfrm>
-            <a:off x="838200" y="365125"/>
-            <a:ext cx="10515600" cy="1325563"/>
-          </a:xfrm>
-        </p:spPr>
-        <p:txBody>
-          <a:bodyPr rtlCol="0" anchor="ctr">
-            <a:normAutofit/>
-          </a:bodyPr>
-          <a:lstStyle/>
-          <a:p>
-            <a:pPr rtl="0"/>
-            <a:r>
-              <a:rPr lang="ru-RU" sz="4600" dirty="0"/>
-              <a:t>Система оценки эффективности </a:t>
-            </a:r>
-            <a:r>
-              <a:rPr lang="en-US" sz="4600" dirty="0"/>
-              <a:t>KPI</a:t>
-            </a:r>
-            <a:endParaRPr lang="ru-RU" sz="4600" dirty="0"/>
-          </a:p>
-        </p:txBody>
-      </p:sp>
       <p:pic>
         <p:nvPicPr>
-          <p:cNvPr id="4" name="Рисунок 3" descr="Изображение выглядит как текст, шиферная плитка, векторная графика&#10;&#10;Автоматически созданное описание">
-            <a:extLst>
-              <a:ext uri="{FF2B5EF4-FFF2-40B4-BE49-F238E27FC236}">
-                <a16:creationId xmlns:a16="http://schemas.microsoft.com/office/drawing/2014/main" id="{9474122E-91F5-7811-E109-B9472523FC43}"/>
+          <p:cNvPr id="1026" name="Picture 2">
+            <a:extLst>
+              <a:ext uri="{FF2B5EF4-FFF2-40B4-BE49-F238E27FC236}">
+                <a16:creationId xmlns:a16="http://schemas.microsoft.com/office/drawing/2014/main" id="{C4B875FF-839B-F527-B30D-1A5C81C60983}"/>
               </a:ext>
             </a:extLst>
           </p:cNvPr>
           <p:cNvPicPr>
-            <a:picLocks noChangeAspect="1"/>
+            <a:picLocks noChangeAspect="1" noChangeArrowheads="1"/>
           </p:cNvPicPr>
           <p:nvPr/>
         </p:nvPicPr>
         <p:blipFill>
-          <a:blip r:embed="rId3"/>
+          <a:blip r:embed="rId3">
+            <a:extLst>
+              <a:ext uri="{28A0092B-C50C-407E-A947-70E740481C1C}">
+                <a14:useLocalDpi xmlns:a14="http://schemas.microsoft.com/office/drawing/2010/main" val="0"/>
+              </a:ext>
+            </a:extLst>
+          </a:blip>
+          <a:srcRect/>
           <a:stretch>
             <a:fillRect/>
           </a:stretch>
         </p:blipFill>
-        <p:spPr>
+        <p:spPr bwMode="auto">
           <a:xfrm>
-            <a:off x="3422253" y="1349772"/>
-            <a:ext cx="5347494" cy="5347494"/>
+            <a:off x="487680" y="1554479"/>
+            <a:ext cx="7883277" cy="4819269"/>
           </a:xfrm>
           <a:prstGeom prst="rect">
             <a:avLst/>
           </a:prstGeom>
           <a:noFill/>
+          <a:extLst>
+            <a:ext uri="{909E8E84-426E-40DD-AFC4-6F175D3DCCD1}">
+              <a14:hiddenFill xmlns:a14="http://schemas.microsoft.com/office/drawing/2010/main">
+                <a:solidFill>
+                  <a:srgbClr val="FFFFFF"/>
+                </a:solidFill>
+              </a14:hiddenFill>
+            </a:ext>
+          </a:extLst>
         </p:spPr>
       </p:pic>
-      <p:sp>
-        <p:nvSpPr>
-          <p:cNvPr id="9" name="Slide Number Placeholder 3">
-            <a:extLst>
-              <a:ext uri="{FF2B5EF4-FFF2-40B4-BE49-F238E27FC236}">
-                <a16:creationId xmlns:a16="http://schemas.microsoft.com/office/drawing/2014/main" id="{E4E13E31-F23E-E256-833E-C274F5FD715B}"/>
-              </a:ext>
-            </a:extLst>
-          </p:cNvPr>
-          <p:cNvSpPr>
-            <a:spLocks noGrp="1"/>
-          </p:cNvSpPr>
-          <p:nvPr>
-            <p:ph type="sldNum" sz="quarter" idx="12"/>
-          </p:nvPr>
-        </p:nvSpPr>
-        <p:spPr>
-          <a:xfrm>
-            <a:off x="8610600" y="6356350"/>
-            <a:ext cx="2743200" cy="365125"/>
-          </a:xfrm>
-        </p:spPr>
-        <p:txBody>
-          <a:bodyPr/>
-          <a:lstStyle/>
-          <a:p>
-            <a:pPr rtl="0">
-              <a:spcAft>
-                <a:spcPts val="600"/>
-              </a:spcAft>
-            </a:pPr>
-            <a:fld id="{D8DA9DAA-006C-4F4B-980E-E3DF019B24E2}" type="slidenum">
-              <a:rPr lang="ru-RU" noProof="0" smtClean="0"/>
-              <a:pPr rtl="0">
-                <a:spcAft>
-                  <a:spcPts val="600"/>
-                </a:spcAft>
-              </a:pPr>
-              <a:t>3</a:t>
-            </a:fld>
-            <a:endParaRPr lang="ru-RU" noProof="0"/>
-          </a:p>
-        </p:txBody>
-      </p:sp>
     </p:spTree>
     <p:extLst>
       <p:ext uri="{BB962C8B-B14F-4D97-AF65-F5344CB8AC3E}">
-        <p14:creationId xmlns:p14="http://schemas.microsoft.com/office/powerpoint/2010/main" val="2227882511"/>
+        <p14:creationId xmlns:p14="http://schemas.microsoft.com/office/powerpoint/2010/main" val="2904224724"/>
       </p:ext>
     </p:extLst>
   </p:cSld>
@@ -13861,10 +14227,10 @@
       </p:grpSpPr>
       <p:sp>
         <p:nvSpPr>
-          <p:cNvPr id="4" name="Заголовок 3">
-            <a:extLst>
-              <a:ext uri="{FF2B5EF4-FFF2-40B4-BE49-F238E27FC236}">
-                <a16:creationId xmlns:a16="http://schemas.microsoft.com/office/drawing/2014/main" id="{55E27C7C-4B68-4BBC-BF36-8959D8493E4A}"/>
+          <p:cNvPr id="5" name="Заголовок 4">
+            <a:extLst>
+              <a:ext uri="{FF2B5EF4-FFF2-40B4-BE49-F238E27FC236}">
+                <a16:creationId xmlns:a16="http://schemas.microsoft.com/office/drawing/2014/main" id="{75690EE4-07DC-8611-3CC4-0B1BEBC2D3A2}"/>
               </a:ext>
             </a:extLst>
           </p:cNvPr>
@@ -13877,112 +14243,148 @@
         </p:nvSpPr>
         <p:spPr>
           <a:xfrm>
-            <a:off x="838200" y="365125"/>
-            <a:ext cx="10515600" cy="1325563"/>
+            <a:off x="5175504" y="726948"/>
+            <a:ext cx="7168896" cy="6062472"/>
           </a:xfrm>
         </p:spPr>
         <p:txBody>
-          <a:bodyPr rtlCol="0" anchor="ctr">
-            <a:normAutofit/>
+          <a:bodyPr>
+            <a:noAutofit/>
           </a:bodyPr>
           <a:lstStyle/>
           <a:p>
-            <a:pPr rtl="0"/>
+            <a:pPr>
+              <a:lnSpc>
+                <a:spcPct val="100000"/>
+              </a:lnSpc>
+            </a:pPr>
             <a:r>
-              <a:rPr lang="ru-RU" dirty="0"/>
-              <a:t>Таблица расчета </a:t>
+              <a:rPr lang="ru-RU" sz="3200" b="0" i="0" dirty="0">
+                <a:effectLst/>
+                <a:latin typeface="+mn-lt"/>
+              </a:rPr>
+              <a:t>Регистрация и отбор участников</a:t>
             </a:r>
+            <a:br>
+              <a:rPr lang="ru-RU" sz="3200" b="0" i="0" dirty="0">
+                <a:effectLst/>
+                <a:latin typeface="+mn-lt"/>
+              </a:rPr>
+            </a:br>
             <a:r>
-              <a:rPr lang="en-US" dirty="0"/>
-              <a:t>KPI</a:t>
+              <a:rPr lang="ru-RU" sz="3200" b="0" i="0" dirty="0">
+                <a:effectLst/>
+                <a:latin typeface="+mn-lt"/>
+              </a:rPr>
+              <a:t>Создание команд</a:t>
             </a:r>
-            <a:endParaRPr lang="ru-RU" dirty="0"/>
-          </a:p>
-        </p:txBody>
-      </p:sp>
-      <p:pic>
-        <p:nvPicPr>
-          <p:cNvPr id="7" name="Объект 6">
-            <a:extLst>
-              <a:ext uri="{FF2B5EF4-FFF2-40B4-BE49-F238E27FC236}">
-                <a16:creationId xmlns:a16="http://schemas.microsoft.com/office/drawing/2014/main" id="{03D3A0FC-4E07-5165-EAAA-1BBF9B8D3A66}"/>
-              </a:ext>
-            </a:extLst>
-          </p:cNvPr>
-          <p:cNvPicPr>
-            <a:picLocks noGrp="1" noChangeAspect="1"/>
-          </p:cNvPicPr>
-          <p:nvPr>
-            <p:ph idx="1"/>
-          </p:nvPr>
-        </p:nvPicPr>
-        <p:blipFill>
-          <a:blip r:embed="rId3"/>
-          <a:stretch>
-            <a:fillRect/>
-          </a:stretch>
-        </p:blipFill>
+            <a:br>
+              <a:rPr lang="ru-RU" sz="3200" b="0" i="0" dirty="0">
+                <a:effectLst/>
+                <a:latin typeface="+mn-lt"/>
+              </a:rPr>
+            </a:br>
+            <a:r>
+              <a:rPr lang="ru-RU" sz="3200" b="0" i="0" dirty="0">
+                <a:effectLst/>
+                <a:latin typeface="+mn-lt"/>
+              </a:rPr>
+              <a:t>Распределение команд по группам</a:t>
+            </a:r>
+            <a:br>
+              <a:rPr lang="ru-RU" sz="3200" b="0" i="0" dirty="0">
+                <a:effectLst/>
+                <a:latin typeface="+mn-lt"/>
+              </a:rPr>
+            </a:br>
+            <a:r>
+              <a:rPr lang="ru-RU" sz="3200" b="0" i="0" dirty="0">
+                <a:effectLst/>
+                <a:latin typeface="+mn-lt"/>
+              </a:rPr>
+              <a:t>Определение расписания соревнований</a:t>
+            </a:r>
+            <a:br>
+              <a:rPr lang="ru-RU" sz="3200" b="0" i="0" dirty="0">
+                <a:effectLst/>
+                <a:latin typeface="+mn-lt"/>
+              </a:rPr>
+            </a:br>
+            <a:r>
+              <a:rPr lang="ru-RU" sz="3200" b="0" i="0" dirty="0">
+                <a:effectLst/>
+                <a:latin typeface="+mn-lt"/>
+              </a:rPr>
+              <a:t>Мониторинг результатов</a:t>
+            </a:r>
+            <a:br>
+              <a:rPr lang="ru-RU" sz="3200" b="0" i="0" dirty="0">
+                <a:effectLst/>
+                <a:latin typeface="+mn-lt"/>
+              </a:rPr>
+            </a:br>
+            <a:r>
+              <a:rPr lang="ru-RU" sz="3200" b="0" i="0" dirty="0">
+                <a:effectLst/>
+                <a:latin typeface="+mn-lt"/>
+              </a:rPr>
+              <a:t>Размещение фото и видео с мероприятий</a:t>
+            </a:r>
+            <a:br>
+              <a:rPr lang="ru-RU" sz="3200" b="0" i="0" dirty="0">
+                <a:effectLst/>
+                <a:latin typeface="+mn-lt"/>
+              </a:rPr>
+            </a:br>
+            <a:r>
+              <a:rPr lang="ru-RU" sz="3200" b="0" i="0" dirty="0">
+                <a:effectLst/>
+                <a:latin typeface="+mn-lt"/>
+              </a:rPr>
+              <a:t>Выдача дипломов и наград победителям</a:t>
+            </a:r>
+          </a:p>
+        </p:txBody>
+      </p:sp>
+      <p:sp>
+        <p:nvSpPr>
+          <p:cNvPr id="9" name="TextBox 8">
+            <a:extLst>
+              <a:ext uri="{FF2B5EF4-FFF2-40B4-BE49-F238E27FC236}">
+                <a16:creationId xmlns:a16="http://schemas.microsoft.com/office/drawing/2014/main" id="{E54B0555-CF44-4C2A-C804-DD3D9B99A124}"/>
+              </a:ext>
+            </a:extLst>
+          </p:cNvPr>
+          <p:cNvSpPr txBox="1"/>
+          <p:nvPr/>
+        </p:nvSpPr>
         <p:spPr>
           <a:xfrm>
-            <a:off x="2642557" y="1825625"/>
-            <a:ext cx="6906886" cy="4351338"/>
+            <a:off x="109728" y="763524"/>
+            <a:ext cx="6108192" cy="646331"/>
           </a:xfrm>
           <a:prstGeom prst="rect">
             <a:avLst/>
           </a:prstGeom>
           <a:noFill/>
         </p:spPr>
-      </p:pic>
-      <p:sp>
-        <p:nvSpPr>
-          <p:cNvPr id="9" name="Номер слайда 5">
-            <a:extLst>
-              <a:ext uri="{FF2B5EF4-FFF2-40B4-BE49-F238E27FC236}">
-                <a16:creationId xmlns:a16="http://schemas.microsoft.com/office/drawing/2014/main" id="{4FC290B8-BF94-4636-BFAB-9FD67F4AAC6D}"/>
-              </a:ext>
-            </a:extLst>
-          </p:cNvPr>
-          <p:cNvSpPr>
-            <a:spLocks noGrp="1"/>
-          </p:cNvSpPr>
-          <p:nvPr>
-            <p:ph type="sldNum" sz="quarter" idx="12"/>
-          </p:nvPr>
-        </p:nvSpPr>
-        <p:spPr>
-          <a:xfrm>
-            <a:off x="8610600" y="6356350"/>
-            <a:ext cx="2743200" cy="365125"/>
-          </a:xfrm>
-        </p:spPr>
-        <p:txBody>
-          <a:bodyPr rtlCol="0" anchor="ctr">
-            <a:normAutofit/>
+        <p:txBody>
+          <a:bodyPr wrap="square">
+            <a:spAutoFit/>
           </a:bodyPr>
           <a:lstStyle/>
           <a:p>
-            <a:pPr rtl="0">
-              <a:spcAft>
-                <a:spcPts val="600"/>
-              </a:spcAft>
-            </a:pPr>
-            <a:fld id="{D8DA9DAA-006C-4F4B-980E-E3DF019B24E2}" type="slidenum">
-              <a:rPr lang="ru-RU" b="1" cap="all" spc="100" smtClean="0"/>
-              <a:pPr rtl="0">
-                <a:spcAft>
-                  <a:spcPts val="600"/>
-                </a:spcAft>
-              </a:pPr>
-              <a:t>4</a:t>
-            </a:fld>
-            <a:endParaRPr lang="ru-RU" b="1" cap="all" spc="100"/>
+            <a:r>
+              <a:rPr lang="ru-RU" sz="3600" b="1" dirty="0"/>
+              <a:t>Функции приложения</a:t>
+            </a:r>
           </a:p>
         </p:txBody>
       </p:sp>
     </p:spTree>
     <p:extLst>
       <p:ext uri="{BB962C8B-B14F-4D97-AF65-F5344CB8AC3E}">
-        <p14:creationId xmlns:p14="http://schemas.microsoft.com/office/powerpoint/2010/main" val="783914445"/>
+        <p14:creationId xmlns:p14="http://schemas.microsoft.com/office/powerpoint/2010/main" val="3911412158"/>
       </p:ext>
     </p:extLst>
   </p:cSld>
@@ -14011,10 +14413,10 @@
       </p:grpSpPr>
       <p:sp>
         <p:nvSpPr>
-          <p:cNvPr id="4" name="Заголовок 3">
-            <a:extLst>
-              <a:ext uri="{FF2B5EF4-FFF2-40B4-BE49-F238E27FC236}">
-                <a16:creationId xmlns:a16="http://schemas.microsoft.com/office/drawing/2014/main" id="{55E27C7C-4B68-4BBC-BF36-8959D8493E4A}"/>
+          <p:cNvPr id="3" name="Заголовок 2">
+            <a:extLst>
+              <a:ext uri="{FF2B5EF4-FFF2-40B4-BE49-F238E27FC236}">
+                <a16:creationId xmlns:a16="http://schemas.microsoft.com/office/drawing/2014/main" id="{31471834-B488-9B94-587A-17AE4FCD798C}"/>
               </a:ext>
             </a:extLst>
           </p:cNvPr>
@@ -14027,123 +14429,53 @@
         </p:nvSpPr>
         <p:spPr/>
         <p:txBody>
-          <a:bodyPr rtlCol="0">
+          <a:bodyPr>
             <a:normAutofit fontScale="90000"/>
           </a:bodyPr>
           <a:lstStyle/>
           <a:p>
-            <a:pPr rtl="0"/>
             <a:r>
               <a:rPr lang="ru-RU" dirty="0"/>
-              <a:t>Коэффициент использования производственного потенциала</a:t>
+              <a:t>Технологии разработки </a:t>
             </a:r>
-            <a:endParaRPr lang="ru-RU" sz="5400" dirty="0"/>
-          </a:p>
-        </p:txBody>
-      </p:sp>
-      <p:pic>
-        <p:nvPicPr>
-          <p:cNvPr id="9" name="Рисунок 8">
-            <a:extLst>
-              <a:ext uri="{FF2B5EF4-FFF2-40B4-BE49-F238E27FC236}">
-                <a16:creationId xmlns:a16="http://schemas.microsoft.com/office/drawing/2014/main" id="{AC26A46D-A37B-A0EC-F627-E355905907E9}"/>
-              </a:ext>
-            </a:extLst>
-          </p:cNvPr>
-          <p:cNvPicPr>
-            <a:picLocks noChangeAspect="1"/>
-          </p:cNvPicPr>
-          <p:nvPr/>
-        </p:nvPicPr>
-        <p:blipFill>
-          <a:blip r:embed="rId3"/>
-          <a:stretch>
-            <a:fillRect/>
-          </a:stretch>
-        </p:blipFill>
-        <p:spPr>
-          <a:xfrm>
-            <a:off x="1025119" y="1877841"/>
-            <a:ext cx="6822745" cy="1325562"/>
-          </a:xfrm>
-          <a:prstGeom prst="rect">
-            <a:avLst/>
-          </a:prstGeom>
-        </p:spPr>
-      </p:pic>
-      <p:sp>
-        <p:nvSpPr>
-          <p:cNvPr id="10" name="TextBox 9">
-            <a:extLst>
-              <a:ext uri="{FF2B5EF4-FFF2-40B4-BE49-F238E27FC236}">
-                <a16:creationId xmlns:a16="http://schemas.microsoft.com/office/drawing/2014/main" id="{B1F90D04-A907-B9DA-EA68-61520E18774E}"/>
-              </a:ext>
-            </a:extLst>
-          </p:cNvPr>
-          <p:cNvSpPr txBox="1"/>
-          <p:nvPr/>
-        </p:nvSpPr>
-        <p:spPr>
-          <a:xfrm>
-            <a:off x="1165079" y="3261049"/>
-            <a:ext cx="6097554" cy="3416320"/>
-          </a:xfrm>
-          <a:prstGeom prst="rect">
-            <a:avLst/>
-          </a:prstGeom>
-          <a:noFill/>
-        </p:spPr>
-        <p:txBody>
-          <a:bodyPr wrap="square">
-            <a:spAutoFit/>
-          </a:bodyPr>
+          </a:p>
+        </p:txBody>
+      </p:sp>
+      <p:sp>
+        <p:nvSpPr>
+          <p:cNvPr id="7" name="Номер слайда 6">
+            <a:extLst>
+              <a:ext uri="{FF2B5EF4-FFF2-40B4-BE49-F238E27FC236}">
+                <a16:creationId xmlns:a16="http://schemas.microsoft.com/office/drawing/2014/main" id="{2D54BDFD-0509-46EB-AAFB-D65B11203E5A}"/>
+              </a:ext>
+            </a:extLst>
+          </p:cNvPr>
+          <p:cNvSpPr>
+            <a:spLocks noGrp="1"/>
+          </p:cNvSpPr>
+          <p:nvPr>
+            <p:ph type="sldNum" sz="quarter" idx="12"/>
+          </p:nvPr>
+        </p:nvSpPr>
+        <p:spPr/>
+        <p:txBody>
+          <a:bodyPr/>
           <a:lstStyle/>
           <a:p>
-            <a:r>
-              <a:rPr lang="ru-RU" sz="2400" dirty="0">
-                <a:latin typeface="+mj-lt"/>
-              </a:rPr>
-              <a:t>где pq – объем реализованной продукции в стоимостном выражении; </a:t>
-            </a:r>
-          </a:p>
-          <a:p>
-            <a:r>
-              <a:rPr lang="ru-RU" sz="2400" dirty="0">
-                <a:latin typeface="+mj-lt"/>
-              </a:rPr>
-              <a:t>Фзп – фонд заработной платы; </a:t>
-            </a:r>
-          </a:p>
-          <a:p>
-            <a:r>
-              <a:rPr lang="ru-RU" sz="2400" dirty="0">
-                <a:latin typeface="+mj-lt"/>
-              </a:rPr>
-              <a:t>ОСср – среднегодовая стоимость оборотных средств; </a:t>
-            </a:r>
-          </a:p>
-          <a:p>
-            <a:r>
-              <a:rPr lang="ru-RU" sz="2400" dirty="0">
-                <a:latin typeface="+mj-lt"/>
-              </a:rPr>
-              <a:t>ОФср – среднегодовая стоимость основных фондов; </a:t>
-            </a:r>
-          </a:p>
-          <a:p>
-            <a:r>
-              <a:rPr lang="ru-RU" sz="2400" dirty="0">
-                <a:latin typeface="+mj-lt"/>
-              </a:rPr>
-              <a:t>Кн – нормативный коэффициент, равный 0,12.</a:t>
-            </a:r>
+            <a:pPr rtl="0"/>
+            <a:fld id="{D8DA9DAA-006C-4F4B-980E-E3DF019B24E2}" type="slidenum">
+              <a:rPr lang="ru-RU" noProof="0" smtClean="0"/>
+              <a:pPr rtl="0"/>
+              <a:t>5</a:t>
+            </a:fld>
+            <a:endParaRPr lang="ru-RU" noProof="0"/>
           </a:p>
         </p:txBody>
       </p:sp>
     </p:spTree>
     <p:extLst>
       <p:ext uri="{BB962C8B-B14F-4D97-AF65-F5344CB8AC3E}">
-        <p14:creationId xmlns:p14="http://schemas.microsoft.com/office/powerpoint/2010/main" val="277827655"/>
+        <p14:creationId xmlns:p14="http://schemas.microsoft.com/office/powerpoint/2010/main" val="3929377764"/>
       </p:ext>
     </p:extLst>
   </p:cSld>
@@ -14170,85 +14502,12 @@
           <a:chExt cx="0" cy="0"/>
         </a:xfrm>
       </p:grpSpPr>
-      <p:sp>
-        <p:nvSpPr>
-          <p:cNvPr id="4" name="Заголовок 3">
-            <a:extLst>
-              <a:ext uri="{FF2B5EF4-FFF2-40B4-BE49-F238E27FC236}">
-                <a16:creationId xmlns:a16="http://schemas.microsoft.com/office/drawing/2014/main" id="{55E27C7C-4B68-4BBC-BF36-8959D8493E4A}"/>
-              </a:ext>
-            </a:extLst>
-          </p:cNvPr>
-          <p:cNvSpPr>
-            <a:spLocks noGrp="1"/>
-          </p:cNvSpPr>
-          <p:nvPr>
-            <p:ph type="title"/>
-          </p:nvPr>
-        </p:nvSpPr>
-        <p:spPr/>
-        <p:txBody>
-          <a:bodyPr rtlCol="0">
-            <a:normAutofit fontScale="90000"/>
-          </a:bodyPr>
-          <a:lstStyle/>
-          <a:p>
-            <a:pPr rtl="0"/>
-            <a:r>
-              <a:rPr lang="ru-RU" dirty="0"/>
-              <a:t>Коэффициент эффективности трудовой деятельности</a:t>
-            </a:r>
-            <a:endParaRPr lang="ru-RU" sz="5400" dirty="0"/>
-          </a:p>
-        </p:txBody>
-      </p:sp>
-      <p:sp>
-        <p:nvSpPr>
-          <p:cNvPr id="10" name="TextBox 9">
-            <a:extLst>
-              <a:ext uri="{FF2B5EF4-FFF2-40B4-BE49-F238E27FC236}">
-                <a16:creationId xmlns:a16="http://schemas.microsoft.com/office/drawing/2014/main" id="{B1F90D04-A907-B9DA-EA68-61520E18774E}"/>
-              </a:ext>
-            </a:extLst>
-          </p:cNvPr>
-          <p:cNvSpPr txBox="1"/>
-          <p:nvPr/>
-        </p:nvSpPr>
-        <p:spPr>
-          <a:xfrm>
-            <a:off x="956957" y="3261047"/>
-            <a:ext cx="4694545" cy="2862322"/>
-          </a:xfrm>
-          <a:prstGeom prst="rect">
-            <a:avLst/>
-          </a:prstGeom>
-          <a:noFill/>
-        </p:spPr>
-        <p:txBody>
-          <a:bodyPr wrap="square">
-            <a:spAutoFit/>
-          </a:bodyPr>
-          <a:lstStyle/>
-          <a:p>
-            <a:r>
-              <a:rPr lang="ru-RU" sz="3600" dirty="0"/>
-              <a:t>где w – выработка </a:t>
-            </a:r>
-          </a:p>
-          <a:p>
-            <a:r>
-              <a:rPr lang="ru-RU" sz="3600" dirty="0"/>
-              <a:t>Зср - среднегодовая заработная плата одного работника.</a:t>
-            </a:r>
-          </a:p>
-        </p:txBody>
-      </p:sp>
       <p:pic>
         <p:nvPicPr>
-          <p:cNvPr id="5" name="Рисунок 4">
-            <a:extLst>
-              <a:ext uri="{FF2B5EF4-FFF2-40B4-BE49-F238E27FC236}">
-                <a16:creationId xmlns:a16="http://schemas.microsoft.com/office/drawing/2014/main" id="{FD044B74-325D-6DD2-5371-2EEAB552129E}"/>
+          <p:cNvPr id="7" name="Рисунок 6">
+            <a:extLst>
+              <a:ext uri="{FF2B5EF4-FFF2-40B4-BE49-F238E27FC236}">
+                <a16:creationId xmlns:a16="http://schemas.microsoft.com/office/drawing/2014/main" id="{9DFF4B36-E3CB-75AF-3678-8223D1627605}"/>
               </a:ext>
             </a:extLst>
           </p:cNvPr>
@@ -14265,18 +14524,84 @@
         </p:blipFill>
         <p:spPr>
           <a:xfrm>
-            <a:off x="838199" y="1872134"/>
-            <a:ext cx="4813303" cy="1388913"/>
+            <a:off x="2489200" y="1825625"/>
+            <a:ext cx="4119563" cy="4351338"/>
           </a:xfrm>
           <a:prstGeom prst="rect">
             <a:avLst/>
           </a:prstGeom>
         </p:spPr>
       </p:pic>
+      <p:pic>
+        <p:nvPicPr>
+          <p:cNvPr id="8" name="Рисунок 7" descr="Изображение выглядит как текст&#10;&#10;Автоматически созданное описание">
+            <a:extLst>
+              <a:ext uri="{FF2B5EF4-FFF2-40B4-BE49-F238E27FC236}">
+                <a16:creationId xmlns:a16="http://schemas.microsoft.com/office/drawing/2014/main" id="{8EFA34DF-AAD9-1E52-783C-FDA83F9647EA}"/>
+              </a:ext>
+            </a:extLst>
+          </p:cNvPr>
+          <p:cNvPicPr>
+            <a:picLocks noChangeAspect="1"/>
+          </p:cNvPicPr>
+          <p:nvPr/>
+        </p:nvPicPr>
+        <p:blipFill>
+          <a:blip r:embed="rId4"/>
+          <a:stretch>
+            <a:fillRect/>
+          </a:stretch>
+        </p:blipFill>
+        <p:spPr>
+          <a:xfrm>
+            <a:off x="6662738" y="1825625"/>
+            <a:ext cx="3041650" cy="4351338"/>
+          </a:xfrm>
+          <a:prstGeom prst="rect">
+            <a:avLst/>
+          </a:prstGeom>
+        </p:spPr>
+      </p:pic>
+      <p:sp>
+        <p:nvSpPr>
+          <p:cNvPr id="2" name="Заголовок 1">
+            <a:extLst>
+              <a:ext uri="{FF2B5EF4-FFF2-40B4-BE49-F238E27FC236}">
+                <a16:creationId xmlns:a16="http://schemas.microsoft.com/office/drawing/2014/main" id="{66485278-3D07-466F-8351-667A2EBEABB8}"/>
+              </a:ext>
+            </a:extLst>
+          </p:cNvPr>
+          <p:cNvSpPr>
+            <a:spLocks noGrp="1"/>
+          </p:cNvSpPr>
+          <p:nvPr>
+            <p:ph type="title"/>
+          </p:nvPr>
+        </p:nvSpPr>
+        <p:spPr>
+          <a:xfrm>
+            <a:off x="838200" y="365125"/>
+            <a:ext cx="10515600" cy="1325563"/>
+          </a:xfrm>
+        </p:spPr>
+        <p:txBody>
+          <a:bodyPr rtlCol="0" anchor="ctr">
+            <a:normAutofit/>
+          </a:bodyPr>
+          <a:lstStyle/>
+          <a:p>
+            <a:pPr rtl="0"/>
+            <a:r>
+              <a:rPr lang="ru-RU" dirty="0"/>
+              <a:t>Интерфейс</a:t>
+            </a:r>
+          </a:p>
+        </p:txBody>
+      </p:sp>
     </p:spTree>
     <p:extLst>
       <p:ext uri="{BB962C8B-B14F-4D97-AF65-F5344CB8AC3E}">
-        <p14:creationId xmlns:p14="http://schemas.microsoft.com/office/powerpoint/2010/main" val="2655551764"/>
+        <p14:creationId xmlns:p14="http://schemas.microsoft.com/office/powerpoint/2010/main" val="3159288639"/>
       </p:ext>
     </p:extLst>
   </p:cSld>
@@ -14305,10 +14630,10 @@
       </p:grpSpPr>
       <p:sp>
         <p:nvSpPr>
-          <p:cNvPr id="4" name="Заголовок 3">
-            <a:extLst>
-              <a:ext uri="{FF2B5EF4-FFF2-40B4-BE49-F238E27FC236}">
-                <a16:creationId xmlns:a16="http://schemas.microsoft.com/office/drawing/2014/main" id="{55E27C7C-4B68-4BBC-BF36-8959D8493E4A}"/>
+          <p:cNvPr id="2" name="Заголовок 1">
+            <a:extLst>
+              <a:ext uri="{FF2B5EF4-FFF2-40B4-BE49-F238E27FC236}">
+                <a16:creationId xmlns:a16="http://schemas.microsoft.com/office/drawing/2014/main" id="{66485278-3D07-466F-8351-667A2EBEABB8}"/>
               </a:ext>
             </a:extLst>
           </p:cNvPr>
@@ -14319,63 +14644,32 @@
             <p:ph type="title"/>
           </p:nvPr>
         </p:nvSpPr>
-        <p:spPr/>
-        <p:txBody>
-          <a:bodyPr rtlCol="0">
-            <a:normAutofit fontScale="90000"/>
+        <p:spPr>
+          <a:xfrm>
+            <a:off x="838200" y="365125"/>
+            <a:ext cx="10515600" cy="1325563"/>
+          </a:xfrm>
+        </p:spPr>
+        <p:txBody>
+          <a:bodyPr rtlCol="0" anchor="ctr">
+            <a:normAutofit/>
           </a:bodyPr>
           <a:lstStyle/>
           <a:p>
             <a:pPr rtl="0"/>
             <a:r>
               <a:rPr lang="ru-RU" dirty="0"/>
-              <a:t>Коэффициент финансовой эффективности</a:t>
-            </a:r>
-            <a:endParaRPr lang="ru-RU" sz="5400" dirty="0"/>
-          </a:p>
-        </p:txBody>
-      </p:sp>
-      <p:sp>
-        <p:nvSpPr>
-          <p:cNvPr id="10" name="TextBox 9">
-            <a:extLst>
-              <a:ext uri="{FF2B5EF4-FFF2-40B4-BE49-F238E27FC236}">
-                <a16:creationId xmlns:a16="http://schemas.microsoft.com/office/drawing/2014/main" id="{B1F90D04-A907-B9DA-EA68-61520E18774E}"/>
-              </a:ext>
-            </a:extLst>
-          </p:cNvPr>
-          <p:cNvSpPr txBox="1"/>
-          <p:nvPr/>
-        </p:nvSpPr>
-        <p:spPr>
-          <a:xfrm>
-            <a:off x="956956" y="3483250"/>
-            <a:ext cx="4694545" cy="1754326"/>
-          </a:xfrm>
-          <a:prstGeom prst="rect">
-            <a:avLst/>
-          </a:prstGeom>
-          <a:noFill/>
-        </p:spPr>
-        <p:txBody>
-          <a:bodyPr wrap="square">
-            <a:spAutoFit/>
-          </a:bodyPr>
-          <a:lstStyle/>
-          <a:p>
-            <a:r>
-              <a:rPr lang="ru-RU" sz="3600" dirty="0"/>
-              <a:t>где П до н/о – прибыль до налогообложения</a:t>
+              <a:t>Интерфейс</a:t>
             </a:r>
           </a:p>
         </p:txBody>
       </p:sp>
       <p:pic>
         <p:nvPicPr>
-          <p:cNvPr id="6" name="Рисунок 5">
-            <a:extLst>
-              <a:ext uri="{FF2B5EF4-FFF2-40B4-BE49-F238E27FC236}">
-                <a16:creationId xmlns:a16="http://schemas.microsoft.com/office/drawing/2014/main" id="{F926CD43-4A17-CC39-005D-2C2457C597C6}"/>
+          <p:cNvPr id="4" name="Рисунок 3">
+            <a:extLst>
+              <a:ext uri="{FF2B5EF4-FFF2-40B4-BE49-F238E27FC236}">
+                <a16:creationId xmlns:a16="http://schemas.microsoft.com/office/drawing/2014/main" id="{D5660189-5437-7B0A-C6AF-D84125B2D6B9}"/>
               </a:ext>
             </a:extLst>
           </p:cNvPr>
@@ -14392,8 +14686,8 @@
         </p:blipFill>
         <p:spPr>
           <a:xfrm>
-            <a:off x="956956" y="1912891"/>
-            <a:ext cx="6761517" cy="1348156"/>
+            <a:off x="2446305" y="1690688"/>
+            <a:ext cx="7884605" cy="5167312"/>
           </a:xfrm>
           <a:prstGeom prst="rect">
             <a:avLst/>
@@ -14403,7 +14697,7 @@
     </p:spTree>
     <p:extLst>
       <p:ext uri="{BB962C8B-B14F-4D97-AF65-F5344CB8AC3E}">
-        <p14:creationId xmlns:p14="http://schemas.microsoft.com/office/powerpoint/2010/main" val="157754656"/>
+        <p14:creationId xmlns:p14="http://schemas.microsoft.com/office/powerpoint/2010/main" val="3645630648"/>
       </p:ext>
     </p:extLst>
   </p:cSld>
@@ -14432,10 +14726,10 @@
       </p:grpSpPr>
       <p:sp>
         <p:nvSpPr>
-          <p:cNvPr id="4" name="Заголовок 3">
-            <a:extLst>
-              <a:ext uri="{FF2B5EF4-FFF2-40B4-BE49-F238E27FC236}">
-                <a16:creationId xmlns:a16="http://schemas.microsoft.com/office/drawing/2014/main" id="{55E27C7C-4B68-4BBC-BF36-8959D8493E4A}"/>
+          <p:cNvPr id="2" name="Заголовок 1">
+            <a:extLst>
+              <a:ext uri="{FF2B5EF4-FFF2-40B4-BE49-F238E27FC236}">
+                <a16:creationId xmlns:a16="http://schemas.microsoft.com/office/drawing/2014/main" id="{66485278-3D07-466F-8351-667A2EBEABB8}"/>
               </a:ext>
             </a:extLst>
           </p:cNvPr>
@@ -14446,81 +14740,32 @@
             <p:ph type="title"/>
           </p:nvPr>
         </p:nvSpPr>
-        <p:spPr/>
-        <p:txBody>
-          <a:bodyPr rtlCol="0">
-            <a:normAutofit fontScale="90000"/>
+        <p:spPr>
+          <a:xfrm>
+            <a:off x="838200" y="365125"/>
+            <a:ext cx="10515600" cy="1325563"/>
+          </a:xfrm>
+        </p:spPr>
+        <p:txBody>
+          <a:bodyPr rtlCol="0" anchor="ctr">
+            <a:normAutofit/>
           </a:bodyPr>
           <a:lstStyle/>
           <a:p>
             <a:pPr rtl="0"/>
             <a:r>
               <a:rPr lang="ru-RU" dirty="0"/>
-              <a:t>Итоговый интегральный показатель</a:t>
-            </a:r>
-            <a:endParaRPr lang="ru-RU" sz="5400" dirty="0"/>
-          </a:p>
-        </p:txBody>
-      </p:sp>
-      <p:sp>
-        <p:nvSpPr>
-          <p:cNvPr id="10" name="TextBox 9">
-            <a:extLst>
-              <a:ext uri="{FF2B5EF4-FFF2-40B4-BE49-F238E27FC236}">
-                <a16:creationId xmlns:a16="http://schemas.microsoft.com/office/drawing/2014/main" id="{B1F90D04-A907-B9DA-EA68-61520E18774E}"/>
-              </a:ext>
-            </a:extLst>
-          </p:cNvPr>
-          <p:cNvSpPr txBox="1"/>
-          <p:nvPr/>
-        </p:nvSpPr>
-        <p:spPr>
-          <a:xfrm>
-            <a:off x="956956" y="3483250"/>
-            <a:ext cx="9614628" cy="2677656"/>
-          </a:xfrm>
-          <a:prstGeom prst="rect">
-            <a:avLst/>
-          </a:prstGeom>
-          <a:noFill/>
-        </p:spPr>
-        <p:txBody>
-          <a:bodyPr wrap="square">
-            <a:spAutoFit/>
-          </a:bodyPr>
-          <a:lstStyle/>
-          <a:p>
-            <a:r>
-              <a:rPr lang="ru-RU" sz="2800" dirty="0"/>
-              <a:t>где Iэхд – интегральный показатель эффективности хозяйственной деятельности предприятия; </a:t>
-            </a:r>
-          </a:p>
-          <a:p>
-            <a:r>
-              <a:rPr lang="ru-RU" sz="2800" dirty="0"/>
-              <a:t>Эи.т.п. – эффективность использования торгового потенциала; </a:t>
-            </a:r>
-          </a:p>
-          <a:p>
-            <a:r>
-              <a:rPr lang="ru-RU" sz="2800" dirty="0"/>
-              <a:t>Эф.д. – эффективность финансовой деятельности; </a:t>
-            </a:r>
-          </a:p>
-          <a:p>
-            <a:r>
-              <a:rPr lang="ru-RU" sz="2800" dirty="0"/>
-              <a:t>Эт.д. – эффективность трудовой деятельности.</a:t>
+              <a:t>Интерфейс</a:t>
             </a:r>
           </a:p>
         </p:txBody>
       </p:sp>
       <p:pic>
         <p:nvPicPr>
-          <p:cNvPr id="5" name="Рисунок 4">
-            <a:extLst>
-              <a:ext uri="{FF2B5EF4-FFF2-40B4-BE49-F238E27FC236}">
-                <a16:creationId xmlns:a16="http://schemas.microsoft.com/office/drawing/2014/main" id="{639EA764-A5F1-7D1E-736B-031A4202DC6C}"/>
+          <p:cNvPr id="4" name="Рисунок 3">
+            <a:extLst>
+              <a:ext uri="{FF2B5EF4-FFF2-40B4-BE49-F238E27FC236}">
+                <a16:creationId xmlns:a16="http://schemas.microsoft.com/office/drawing/2014/main" id="{70835CF2-5311-E3D6-7BEE-C059DA75528B}"/>
               </a:ext>
             </a:extLst>
           </p:cNvPr>
@@ -14537,8 +14782,8 @@
         </p:blipFill>
         <p:spPr>
           <a:xfrm>
-            <a:off x="838200" y="1920969"/>
-            <a:ext cx="6110286" cy="1332000"/>
+            <a:off x="1594675" y="1690688"/>
+            <a:ext cx="9494102" cy="4619053"/>
           </a:xfrm>
           <a:prstGeom prst="rect">
             <a:avLst/>
@@ -14548,7 +14793,7 @@
     </p:spTree>
     <p:extLst>
       <p:ext uri="{BB962C8B-B14F-4D97-AF65-F5344CB8AC3E}">
-        <p14:creationId xmlns:p14="http://schemas.microsoft.com/office/powerpoint/2010/main" val="865934586"/>
+        <p14:creationId xmlns:p14="http://schemas.microsoft.com/office/powerpoint/2010/main" val="690710266"/>
       </p:ext>
     </p:extLst>
   </p:cSld>
@@ -14575,12 +14820,48 @@
           <a:chExt cx="0" cy="0"/>
         </a:xfrm>
       </p:grpSpPr>
+      <p:sp>
+        <p:nvSpPr>
+          <p:cNvPr id="2" name="Заголовок 1">
+            <a:extLst>
+              <a:ext uri="{FF2B5EF4-FFF2-40B4-BE49-F238E27FC236}">
+                <a16:creationId xmlns:a16="http://schemas.microsoft.com/office/drawing/2014/main" id="{66485278-3D07-466F-8351-667A2EBEABB8}"/>
+              </a:ext>
+            </a:extLst>
+          </p:cNvPr>
+          <p:cNvSpPr>
+            <a:spLocks noGrp="1"/>
+          </p:cNvSpPr>
+          <p:nvPr>
+            <p:ph type="title"/>
+          </p:nvPr>
+        </p:nvSpPr>
+        <p:spPr>
+          <a:xfrm>
+            <a:off x="838200" y="365125"/>
+            <a:ext cx="10515600" cy="1325563"/>
+          </a:xfrm>
+        </p:spPr>
+        <p:txBody>
+          <a:bodyPr rtlCol="0" anchor="ctr">
+            <a:normAutofit/>
+          </a:bodyPr>
+          <a:lstStyle/>
+          <a:p>
+            <a:pPr rtl="0"/>
+            <a:r>
+              <a:rPr lang="ru-RU" dirty="0"/>
+              <a:t>Интерфейс</a:t>
+            </a:r>
+          </a:p>
+        </p:txBody>
+      </p:sp>
       <p:pic>
         <p:nvPicPr>
-          <p:cNvPr id="7" name="Рисунок 6">
-            <a:extLst>
-              <a:ext uri="{FF2B5EF4-FFF2-40B4-BE49-F238E27FC236}">
-                <a16:creationId xmlns:a16="http://schemas.microsoft.com/office/drawing/2014/main" id="{9DFF4B36-E3CB-75AF-3678-8223D1627605}"/>
+          <p:cNvPr id="4" name="Рисунок 3">
+            <a:extLst>
+              <a:ext uri="{FF2B5EF4-FFF2-40B4-BE49-F238E27FC236}">
+                <a16:creationId xmlns:a16="http://schemas.microsoft.com/office/drawing/2014/main" id="{B4F6B24F-9B53-32D7-85B7-7EAEFF49591C}"/>
               </a:ext>
             </a:extLst>
           </p:cNvPr>
@@ -14597,84 +14878,18 @@
         </p:blipFill>
         <p:spPr>
           <a:xfrm>
-            <a:off x="2489200" y="1825625"/>
-            <a:ext cx="4119563" cy="4351338"/>
+            <a:off x="1772220" y="1463040"/>
+            <a:ext cx="9696465" cy="5029835"/>
           </a:xfrm>
           <a:prstGeom prst="rect">
             <a:avLst/>
           </a:prstGeom>
         </p:spPr>
       </p:pic>
-      <p:pic>
-        <p:nvPicPr>
-          <p:cNvPr id="8" name="Рисунок 7" descr="Изображение выглядит как текст&#10;&#10;Автоматически созданное описание">
-            <a:extLst>
-              <a:ext uri="{FF2B5EF4-FFF2-40B4-BE49-F238E27FC236}">
-                <a16:creationId xmlns:a16="http://schemas.microsoft.com/office/drawing/2014/main" id="{8EFA34DF-AAD9-1E52-783C-FDA83F9647EA}"/>
-              </a:ext>
-            </a:extLst>
-          </p:cNvPr>
-          <p:cNvPicPr>
-            <a:picLocks noChangeAspect="1"/>
-          </p:cNvPicPr>
-          <p:nvPr/>
-        </p:nvPicPr>
-        <p:blipFill>
-          <a:blip r:embed="rId4"/>
-          <a:stretch>
-            <a:fillRect/>
-          </a:stretch>
-        </p:blipFill>
-        <p:spPr>
-          <a:xfrm>
-            <a:off x="6662738" y="1825625"/>
-            <a:ext cx="3041650" cy="4351338"/>
-          </a:xfrm>
-          <a:prstGeom prst="rect">
-            <a:avLst/>
-          </a:prstGeom>
-        </p:spPr>
-      </p:pic>
-      <p:sp>
-        <p:nvSpPr>
-          <p:cNvPr id="2" name="Заголовок 1">
-            <a:extLst>
-              <a:ext uri="{FF2B5EF4-FFF2-40B4-BE49-F238E27FC236}">
-                <a16:creationId xmlns:a16="http://schemas.microsoft.com/office/drawing/2014/main" id="{66485278-3D07-466F-8351-667A2EBEABB8}"/>
-              </a:ext>
-            </a:extLst>
-          </p:cNvPr>
-          <p:cNvSpPr>
-            <a:spLocks noGrp="1"/>
-          </p:cNvSpPr>
-          <p:nvPr>
-            <p:ph type="title"/>
-          </p:nvPr>
-        </p:nvSpPr>
-        <p:spPr>
-          <a:xfrm>
-            <a:off x="838200" y="365125"/>
-            <a:ext cx="10515600" cy="1325563"/>
-          </a:xfrm>
-        </p:spPr>
-        <p:txBody>
-          <a:bodyPr rtlCol="0" anchor="ctr">
-            <a:normAutofit/>
-          </a:bodyPr>
-          <a:lstStyle/>
-          <a:p>
-            <a:pPr rtl="0"/>
-            <a:r>
-              <a:rPr lang="ru-RU" dirty="0"/>
-              <a:t>Интерфейс</a:t>
-            </a:r>
-          </a:p>
-        </p:txBody>
-      </p:sp>
     </p:spTree>
     <p:extLst>
       <p:ext uri="{BB962C8B-B14F-4D97-AF65-F5344CB8AC3E}">
-        <p14:creationId xmlns:p14="http://schemas.microsoft.com/office/powerpoint/2010/main" val="3159288639"/>
+        <p14:creationId xmlns:p14="http://schemas.microsoft.com/office/powerpoint/2010/main" val="3974250883"/>
       </p:ext>
     </p:extLst>
   </p:cSld>

--- a/DiplomKatya/KatyaDiplomPresent.pptx
+++ b/DiplomKatya/KatyaDiplomPresent.pptx
@@ -162,7 +162,7 @@
   <pc:docChgLst>
     <pc:chgData name="Никита Постнов" userId="ccaeb27e9297bece" providerId="LiveId" clId="{F9EB61B5-44FA-4900-B13F-CAA777326263}"/>
     <pc:docChg chg="undo redo custSel addSld delSld modSld">
-      <pc:chgData name="Никита Постнов" userId="ccaeb27e9297bece" providerId="LiveId" clId="{F9EB61B5-44FA-4900-B13F-CAA777326263}" dt="2023-05-09T23:54:14.231" v="546" actId="47"/>
+      <pc:chgData name="Никита Постнов" userId="ccaeb27e9297bece" providerId="LiveId" clId="{F9EB61B5-44FA-4900-B13F-CAA777326263}" dt="2023-05-10T14:31:30.140" v="568" actId="1076"/>
       <pc:docMkLst>
         <pc:docMk/>
       </pc:docMkLst>
@@ -572,7 +572,7 @@
         </pc:picChg>
       </pc:sldChg>
       <pc:sldChg chg="addSp delSp modSp new mod">
-        <pc:chgData name="Никита Постнов" userId="ccaeb27e9297bece" providerId="LiveId" clId="{F9EB61B5-44FA-4900-B13F-CAA777326263}" dt="2023-05-09T23:45:17.133" v="545" actId="22"/>
+        <pc:chgData name="Никита Постнов" userId="ccaeb27e9297bece" providerId="LiveId" clId="{F9EB61B5-44FA-4900-B13F-CAA777326263}" dt="2023-05-10T14:31:30.140" v="568" actId="1076"/>
         <pc:sldMkLst>
           <pc:docMk/>
           <pc:sldMk cId="3929377764" sldId="328"/>
@@ -625,6 +625,54 @@
             <ac:spMk id="9" creationId="{A4031352-BF71-5F52-0A88-744F076457AB}"/>
           </ac:spMkLst>
         </pc:spChg>
+        <pc:picChg chg="add mod">
+          <ac:chgData name="Никита Постнов" userId="ccaeb27e9297bece" providerId="LiveId" clId="{F9EB61B5-44FA-4900-B13F-CAA777326263}" dt="2023-05-10T14:30:29.560" v="562" actId="1076"/>
+          <ac:picMkLst>
+            <pc:docMk/>
+            <pc:sldMk cId="3929377764" sldId="328"/>
+            <ac:picMk id="1026" creationId="{82A2CBE3-0291-23B3-1707-D267B070A1C9}"/>
+          </ac:picMkLst>
+        </pc:picChg>
+        <pc:picChg chg="add del mod">
+          <ac:chgData name="Никита Постнов" userId="ccaeb27e9297bece" providerId="LiveId" clId="{F9EB61B5-44FA-4900-B13F-CAA777326263}" dt="2023-05-10T14:29:57.922" v="553" actId="478"/>
+          <ac:picMkLst>
+            <pc:docMk/>
+            <pc:sldMk cId="3929377764" sldId="328"/>
+            <ac:picMk id="1028" creationId="{F6D13A21-A230-255F-B469-05965DE54301}"/>
+          </ac:picMkLst>
+        </pc:picChg>
+        <pc:picChg chg="add del">
+          <ac:chgData name="Никита Постнов" userId="ccaeb27e9297bece" providerId="LiveId" clId="{F9EB61B5-44FA-4900-B13F-CAA777326263}" dt="2023-05-10T14:30:06.743" v="555" actId="478"/>
+          <ac:picMkLst>
+            <pc:docMk/>
+            <pc:sldMk cId="3929377764" sldId="328"/>
+            <ac:picMk id="1030" creationId="{CF22672F-7D1F-83FC-7ABA-2F44E7232558}"/>
+          </ac:picMkLst>
+        </pc:picChg>
+        <pc:picChg chg="add mod">
+          <ac:chgData name="Никита Постнов" userId="ccaeb27e9297bece" providerId="LiveId" clId="{F9EB61B5-44FA-4900-B13F-CAA777326263}" dt="2023-05-10T14:30:23.626" v="560" actId="1076"/>
+          <ac:picMkLst>
+            <pc:docMk/>
+            <pc:sldMk cId="3929377764" sldId="328"/>
+            <ac:picMk id="1032" creationId="{49F2B38C-B72D-1FDA-EFC0-16E436D67174}"/>
+          </ac:picMkLst>
+        </pc:picChg>
+        <pc:picChg chg="add del">
+          <ac:chgData name="Никита Постнов" userId="ccaeb27e9297bece" providerId="LiveId" clId="{F9EB61B5-44FA-4900-B13F-CAA777326263}" dt="2023-05-10T14:30:55.503" v="564" actId="478"/>
+          <ac:picMkLst>
+            <pc:docMk/>
+            <pc:sldMk cId="3929377764" sldId="328"/>
+            <ac:picMk id="1034" creationId="{618C8185-A738-0C47-2E06-5308B86A8058}"/>
+          </ac:picMkLst>
+        </pc:picChg>
+        <pc:picChg chg="add mod">
+          <ac:chgData name="Никита Постнов" userId="ccaeb27e9297bece" providerId="LiveId" clId="{F9EB61B5-44FA-4900-B13F-CAA777326263}" dt="2023-05-10T14:31:30.140" v="568" actId="1076"/>
+          <ac:picMkLst>
+            <pc:docMk/>
+            <pc:sldMk cId="3929377764" sldId="328"/>
+            <ac:picMk id="1036" creationId="{1759E3D9-17DE-6431-7D7C-2847042FCD2A}"/>
+          </ac:picMkLst>
+        </pc:picChg>
       </pc:sldChg>
     </pc:docChg>
   </pc:docChgLst>
@@ -14472,6 +14520,147 @@
           </a:p>
         </p:txBody>
       </p:sp>
+      <p:pic>
+        <p:nvPicPr>
+          <p:cNvPr id="1026" name="Picture 2">
+            <a:extLst>
+              <a:ext uri="{FF2B5EF4-FFF2-40B4-BE49-F238E27FC236}">
+                <a16:creationId xmlns:a16="http://schemas.microsoft.com/office/drawing/2014/main" id="{82A2CBE3-0291-23B3-1707-D267B070A1C9}"/>
+              </a:ext>
+            </a:extLst>
+          </p:cNvPr>
+          <p:cNvPicPr>
+            <a:picLocks noChangeAspect="1" noChangeArrowheads="1"/>
+          </p:cNvPicPr>
+          <p:nvPr/>
+        </p:nvPicPr>
+        <p:blipFill>
+          <a:blip r:embed="rId2">
+            <a:extLst>
+              <a:ext uri="{28A0092B-C50C-407E-A947-70E740481C1C}">
+                <a14:useLocalDpi xmlns:a14="http://schemas.microsoft.com/office/drawing/2010/main" val="0"/>
+              </a:ext>
+            </a:extLst>
+          </a:blip>
+          <a:srcRect/>
+          <a:stretch>
+            <a:fillRect/>
+          </a:stretch>
+        </p:blipFill>
+        <p:spPr bwMode="auto">
+          <a:xfrm>
+            <a:off x="804672" y="2971801"/>
+            <a:ext cx="2743200" cy="2743200"/>
+          </a:xfrm>
+          <a:prstGeom prst="rect">
+            <a:avLst/>
+          </a:prstGeom>
+          <a:noFill/>
+          <a:extLst>
+            <a:ext uri="{909E8E84-426E-40DD-AFC4-6F175D3DCCD1}">
+              <a14:hiddenFill xmlns:a14="http://schemas.microsoft.com/office/drawing/2010/main">
+                <a:solidFill>
+                  <a:srgbClr val="FFFFFF"/>
+                </a:solidFill>
+              </a14:hiddenFill>
+            </a:ext>
+          </a:extLst>
+        </p:spPr>
+      </p:pic>
+      <p:pic>
+        <p:nvPicPr>
+          <p:cNvPr id="1032" name="Picture 8">
+            <a:extLst>
+              <a:ext uri="{FF2B5EF4-FFF2-40B4-BE49-F238E27FC236}">
+                <a16:creationId xmlns:a16="http://schemas.microsoft.com/office/drawing/2014/main" id="{49F2B38C-B72D-1FDA-EFC0-16E436D67174}"/>
+              </a:ext>
+            </a:extLst>
+          </p:cNvPr>
+          <p:cNvPicPr>
+            <a:picLocks noChangeAspect="1" noChangeArrowheads="1"/>
+          </p:cNvPicPr>
+          <p:nvPr/>
+        </p:nvPicPr>
+        <p:blipFill>
+          <a:blip r:embed="rId3">
+            <a:extLst>
+              <a:ext uri="{28A0092B-C50C-407E-A947-70E740481C1C}">
+                <a14:useLocalDpi xmlns:a14="http://schemas.microsoft.com/office/drawing/2010/main" val="0"/>
+              </a:ext>
+            </a:extLst>
+          </a:blip>
+          <a:srcRect/>
+          <a:stretch>
+            <a:fillRect/>
+          </a:stretch>
+        </p:blipFill>
+        <p:spPr bwMode="auto">
+          <a:xfrm>
+            <a:off x="4614671" y="3118105"/>
+            <a:ext cx="2404871" cy="2404871"/>
+          </a:xfrm>
+          <a:prstGeom prst="rect">
+            <a:avLst/>
+          </a:prstGeom>
+          <a:noFill/>
+          <a:extLst>
+            <a:ext uri="{909E8E84-426E-40DD-AFC4-6F175D3DCCD1}">
+              <a14:hiddenFill xmlns:a14="http://schemas.microsoft.com/office/drawing/2010/main">
+                <a:solidFill>
+                  <a:srgbClr val="FFFFFF"/>
+                </a:solidFill>
+              </a14:hiddenFill>
+            </a:ext>
+          </a:extLst>
+        </p:spPr>
+      </p:pic>
+      <p:pic>
+        <p:nvPicPr>
+          <p:cNvPr id="1036" name="Picture 12">
+            <a:extLst>
+              <a:ext uri="{FF2B5EF4-FFF2-40B4-BE49-F238E27FC236}">
+                <a16:creationId xmlns:a16="http://schemas.microsoft.com/office/drawing/2014/main" id="{1759E3D9-17DE-6431-7D7C-2847042FCD2A}"/>
+              </a:ext>
+            </a:extLst>
+          </p:cNvPr>
+          <p:cNvPicPr>
+            <a:picLocks noChangeAspect="1" noChangeArrowheads="1"/>
+          </p:cNvPicPr>
+          <p:nvPr/>
+        </p:nvPicPr>
+        <p:blipFill>
+          <a:blip r:embed="rId4">
+            <a:extLst>
+              <a:ext uri="{28A0092B-C50C-407E-A947-70E740481C1C}">
+                <a14:useLocalDpi xmlns:a14="http://schemas.microsoft.com/office/drawing/2010/main" val="0"/>
+              </a:ext>
+            </a:extLst>
+          </a:blip>
+          <a:srcRect/>
+          <a:stretch>
+            <a:fillRect/>
+          </a:stretch>
+        </p:blipFill>
+        <p:spPr bwMode="auto">
+          <a:xfrm>
+            <a:off x="8610600" y="2075397"/>
+            <a:ext cx="2404871" cy="4271810"/>
+          </a:xfrm>
+          <a:prstGeom prst="rect">
+            <a:avLst/>
+          </a:prstGeom>
+          <a:noFill/>
+          <a:extLst>
+            <a:ext uri="{909E8E84-426E-40DD-AFC4-6F175D3DCCD1}">
+              <a14:hiddenFill xmlns:a14="http://schemas.microsoft.com/office/drawing/2010/main">
+                <a:solidFill>
+                  <a:srgbClr val="FFFFFF"/>
+                </a:solidFill>
+              </a14:hiddenFill>
+            </a:ext>
+          </a:extLst>
+        </p:spPr>
+      </p:pic>
     </p:spTree>
     <p:extLst>
       <p:ext uri="{BB962C8B-B14F-4D97-AF65-F5344CB8AC3E}">
@@ -15700,6 +15889,15 @@
 </file>
 
 <file path=customXml/item2.xml><?xml version="1.0" encoding="utf-8"?>
+<?mso-contentType ?>
+<FormTemplates xmlns="http://schemas.microsoft.com/sharepoint/v3/contenttype/forms">
+  <Display>DocumentLibraryForm</Display>
+  <Edit>DocumentLibraryForm</Edit>
+  <New>DocumentLibraryForm</New>
+</FormTemplates>
+</file>
+
+<file path=customXml/item3.xml><?xml version="1.0" encoding="utf-8"?>
 <ct:contentTypeSchema xmlns:ct="http://schemas.microsoft.com/office/2006/metadata/contentType" xmlns:ma="http://schemas.microsoft.com/office/2006/metadata/properties/metaAttributes" ct:_="" ma:_="" ma:contentTypeName="Document" ma:contentTypeID="0x01010079F111ED35F8CC479449609E8A0923A6" ma:contentTypeVersion="12" ma:contentTypeDescription="Create a new document." ma:contentTypeScope="" ma:versionID="426e97fa315356fffbdcd9876fe988c2">
   <xsd:schema xmlns:xsd="http://www.w3.org/2001/XMLSchema" xmlns:xs="http://www.w3.org/2001/XMLSchema" xmlns:p="http://schemas.microsoft.com/office/2006/metadata/properties" xmlns:ns2="71af3243-3dd4-4a8d-8c0d-dd76da1f02a5" xmlns:ns3="16c05727-aa75-4e4a-9b5f-8a80a1165891" targetNamespace="http://schemas.microsoft.com/office/2006/metadata/properties" ma:root="true" ma:fieldsID="14b8f0def80e6d70ce3def20c90759ae" ns2:_="" ns3:_="">
     <xsd:import namespace="71af3243-3dd4-4a8d-8c0d-dd76da1f02a5"/>
@@ -15920,15 +16118,6 @@
 </ct:contentTypeSchema>
 </file>
 
-<file path=customXml/item3.xml><?xml version="1.0" encoding="utf-8"?>
-<?mso-contentType ?>
-<FormTemplates xmlns="http://schemas.microsoft.com/sharepoint/v3/contenttype/forms">
-  <Display>DocumentLibraryForm</Display>
-  <Edit>DocumentLibraryForm</Edit>
-  <New>DocumentLibraryForm</New>
-</FormTemplates>
-</file>
-
 <file path=customXml/itemProps1.xml><?xml version="1.0" encoding="utf-8"?>
 <ds:datastoreItem xmlns:ds="http://schemas.openxmlformats.org/officeDocument/2006/customXml" ds:itemID="{99919F73-B6C2-4A43-95E2-833EC48925FE}">
   <ds:schemaRefs>
@@ -15940,6 +16129,14 @@
 </file>
 
 <file path=customXml/itemProps2.xml><?xml version="1.0" encoding="utf-8"?>
+<ds:datastoreItem xmlns:ds="http://schemas.openxmlformats.org/officeDocument/2006/customXml" ds:itemID="{3C8E00D1-8EA3-4E42-801D-0253E1EAFC21}">
+  <ds:schemaRefs>
+    <ds:schemaRef ds:uri="http://schemas.microsoft.com/sharepoint/v3/contenttype/forms"/>
+  </ds:schemaRefs>
+</ds:datastoreItem>
+</file>
+
+<file path=customXml/itemProps3.xml><?xml version="1.0" encoding="utf-8"?>
 <ds:datastoreItem xmlns:ds="http://schemas.openxmlformats.org/officeDocument/2006/customXml" ds:itemID="{ABC329F5-30EE-4BF7-AA2A-B837B51416B4}">
   <ds:schemaRefs>
     <ds:schemaRef ds:uri="http://schemas.microsoft.com/office/2006/metadata/contentType"/>
@@ -15956,12 +16153,4 @@
     <ds:schemaRef ds:uri="http://schemas.microsoft.com/internal/obd"/>
   </ds:schemaRefs>
 </ds:datastoreItem>
-</file>
-
-<file path=customXml/itemProps3.xml><?xml version="1.0" encoding="utf-8"?>
-<ds:datastoreItem xmlns:ds="http://schemas.openxmlformats.org/officeDocument/2006/customXml" ds:itemID="{3C8E00D1-8EA3-4E42-801D-0253E1EAFC21}">
-  <ds:schemaRefs>
-    <ds:schemaRef ds:uri="http://schemas.microsoft.com/sharepoint/v3/contenttype/forms"/>
-  </ds:schemaRefs>
-</ds:datastoreItem>
 </file>